--- a/docs/documents/weekly_meeting/Week 13.pptx
+++ b/docs/documents/weekly_meeting/Week 13.pptx
@@ -5,7 +5,7 @@
     <p:sldMasterId id="2147483648" r:id="rId1"/>
   </p:sldMasterIdLst>
   <p:notesMasterIdLst>
-    <p:notesMasterId r:id="rId10"/>
+    <p:notesMasterId r:id="rId11"/>
   </p:notesMasterIdLst>
   <p:sldIdLst>
     <p:sldId id="257" r:id="rId2"/>
@@ -13,9 +13,10 @@
     <p:sldId id="266" r:id="rId4"/>
     <p:sldId id="281" r:id="rId5"/>
     <p:sldId id="284" r:id="rId6"/>
-    <p:sldId id="283" r:id="rId7"/>
-    <p:sldId id="282" r:id="rId8"/>
-    <p:sldId id="261" r:id="rId9"/>
+    <p:sldId id="285" r:id="rId7"/>
+    <p:sldId id="283" r:id="rId8"/>
+    <p:sldId id="282" r:id="rId9"/>
+    <p:sldId id="261" r:id="rId10"/>
   </p:sldIdLst>
   <p:sldSz cx="12192000" cy="6858000"/>
   <p:notesSz cx="6858000" cy="9144000"/>
@@ -204,7 +205,7 @@
           <a:p>
             <a:fld id="{2B443DB1-3454-AB4E-A2F7-083942AD4ADB}" type="datetimeFigureOut">
               <a:rPr lang="en-US" smtClean="0"/>
-              <a:t>11/5/16</a:t>
+              <a:t>11/10/16</a:t>
             </a:fld>
             <a:endParaRPr lang="en-US"/>
           </a:p>
@@ -516,46 +517,7 @@
           <a:bodyPr/>
           <a:lstStyle/>
           <a:p>
-            <a:r>
-              <a:rPr lang="en-US" dirty="0" smtClean="0"/>
-              <a:t>= Data collection</a:t>
-            </a:r>
-            <a:r>
-              <a:rPr lang="en-US" baseline="0" dirty="0" smtClean="0"/>
-              <a:t> process </a:t>
-            </a:r>
-            <a:r>
-              <a:rPr lang="en-US" baseline="0" dirty="0" smtClean="0">
-                <a:sym typeface="Wingdings"/>
-              </a:rPr>
-              <a:t> documentation</a:t>
-            </a:r>
-            <a:endParaRPr lang="en-US" dirty="0" smtClean="0"/>
-          </a:p>
-          <a:p>
-            <a:r>
-              <a:rPr lang="en-US" dirty="0" smtClean="0"/>
-              <a:t>=</a:t>
-            </a:r>
-            <a:r>
-              <a:rPr lang="en-US" baseline="0" dirty="0" smtClean="0"/>
-              <a:t> Activity description</a:t>
-            </a:r>
-          </a:p>
-          <a:p>
-            <a:pPr marL="171450" indent="-171450">
-              <a:buFontTx/>
-              <a:buChar char="-"/>
-            </a:pPr>
-            <a:r>
-              <a:rPr lang="en-US" baseline="0" dirty="0" smtClean="0"/>
-              <a:t>Versus available data </a:t>
-            </a:r>
-            <a:r>
-              <a:rPr lang="en-US" baseline="0" dirty="0" err="1" smtClean="0"/>
-              <a:t>currentls</a:t>
-            </a:r>
-            <a:endParaRPr lang="en-US" baseline="0" dirty="0" smtClean="0"/>
+            <a:endParaRPr lang="en-US" dirty="0"/>
           </a:p>
         </p:txBody>
       </p:sp>
@@ -576,7 +538,7 @@
           <a:p>
             <a:fld id="{2743912D-219C-6C43-ACEF-0C2D0D6A3A01}" type="slidenum">
               <a:rPr lang="en-US" smtClean="0"/>
-              <a:t>2</a:t>
+              <a:t>1</a:t>
             </a:fld>
             <a:endParaRPr lang="en-US"/>
           </a:p>
@@ -585,7 +547,7 @@
     </p:spTree>
     <p:extLst>
       <p:ext uri="{BB962C8B-B14F-4D97-AF65-F5344CB8AC3E}">
-        <p14:creationId xmlns:p14="http://schemas.microsoft.com/office/powerpoint/2010/main" val="1360546187"/>
+        <p14:creationId xmlns:p14="http://schemas.microsoft.com/office/powerpoint/2010/main" val="1176294269"/>
       </p:ext>
     </p:extLst>
   </p:cSld>
@@ -639,7 +601,46 @@
           <a:bodyPr/>
           <a:lstStyle/>
           <a:p>
-            <a:endParaRPr lang="en-US" dirty="0"/>
+            <a:r>
+              <a:rPr lang="en-US" dirty="0" smtClean="0"/>
+              <a:t>= Data collection</a:t>
+            </a:r>
+            <a:r>
+              <a:rPr lang="en-US" baseline="0" dirty="0" smtClean="0"/>
+              <a:t> process </a:t>
+            </a:r>
+            <a:r>
+              <a:rPr lang="en-US" baseline="0" dirty="0" smtClean="0">
+                <a:sym typeface="Wingdings"/>
+              </a:rPr>
+              <a:t> documentation</a:t>
+            </a:r>
+            <a:endParaRPr lang="en-US" dirty="0" smtClean="0"/>
+          </a:p>
+          <a:p>
+            <a:r>
+              <a:rPr lang="en-US" dirty="0" smtClean="0"/>
+              <a:t>=</a:t>
+            </a:r>
+            <a:r>
+              <a:rPr lang="en-US" baseline="0" dirty="0" smtClean="0"/>
+              <a:t> Activity description</a:t>
+            </a:r>
+          </a:p>
+          <a:p>
+            <a:pPr marL="171450" indent="-171450">
+              <a:buFontTx/>
+              <a:buChar char="-"/>
+            </a:pPr>
+            <a:r>
+              <a:rPr lang="en-US" baseline="0" dirty="0" smtClean="0"/>
+              <a:t>Versus available data </a:t>
+            </a:r>
+            <a:r>
+              <a:rPr lang="en-US" baseline="0" dirty="0" err="1" smtClean="0"/>
+              <a:t>currentls</a:t>
+            </a:r>
+            <a:endParaRPr lang="en-US" baseline="0" dirty="0" smtClean="0"/>
           </a:p>
         </p:txBody>
       </p:sp>
@@ -660,7 +661,7 @@
           <a:p>
             <a:fld id="{2743912D-219C-6C43-ACEF-0C2D0D6A3A01}" type="slidenum">
               <a:rPr lang="en-US" smtClean="0"/>
-              <a:t>4</a:t>
+              <a:t>2</a:t>
             </a:fld>
             <a:endParaRPr lang="en-US"/>
           </a:p>
@@ -669,7 +670,7 @@
     </p:spTree>
     <p:extLst>
       <p:ext uri="{BB962C8B-B14F-4D97-AF65-F5344CB8AC3E}">
-        <p14:creationId xmlns:p14="http://schemas.microsoft.com/office/powerpoint/2010/main" val="1188308295"/>
+        <p14:creationId xmlns:p14="http://schemas.microsoft.com/office/powerpoint/2010/main" val="1360546187"/>
       </p:ext>
     </p:extLst>
   </p:cSld>
@@ -744,7 +745,7 @@
           <a:p>
             <a:fld id="{2743912D-219C-6C43-ACEF-0C2D0D6A3A01}" type="slidenum">
               <a:rPr lang="en-US" smtClean="0"/>
-              <a:t>5</a:t>
+              <a:t>4</a:t>
             </a:fld>
             <a:endParaRPr lang="en-US"/>
           </a:p>
@@ -753,7 +754,7 @@
     </p:spTree>
     <p:extLst>
       <p:ext uri="{BB962C8B-B14F-4D97-AF65-F5344CB8AC3E}">
-        <p14:creationId xmlns:p14="http://schemas.microsoft.com/office/powerpoint/2010/main" val="292165651"/>
+        <p14:creationId xmlns:p14="http://schemas.microsoft.com/office/powerpoint/2010/main" val="1188308295"/>
       </p:ext>
     </p:extLst>
   </p:cSld>
@@ -807,6 +808,174 @@
           <a:bodyPr/>
           <a:lstStyle/>
           <a:p>
+            <a:endParaRPr lang="en-US" dirty="0"/>
+          </a:p>
+        </p:txBody>
+      </p:sp>
+      <p:sp>
+        <p:nvSpPr>
+          <p:cNvPr id="4" name="Slide Number Placeholder 3"/>
+          <p:cNvSpPr>
+            <a:spLocks noGrp="1"/>
+          </p:cNvSpPr>
+          <p:nvPr>
+            <p:ph type="sldNum" sz="quarter" idx="10"/>
+          </p:nvPr>
+        </p:nvSpPr>
+        <p:spPr/>
+        <p:txBody>
+          <a:bodyPr/>
+          <a:lstStyle/>
+          <a:p>
+            <a:fld id="{2743912D-219C-6C43-ACEF-0C2D0D6A3A01}" type="slidenum">
+              <a:rPr lang="en-US" smtClean="0"/>
+              <a:t>5</a:t>
+            </a:fld>
+            <a:endParaRPr lang="en-US"/>
+          </a:p>
+        </p:txBody>
+      </p:sp>
+    </p:spTree>
+    <p:extLst>
+      <p:ext uri="{BB962C8B-B14F-4D97-AF65-F5344CB8AC3E}">
+        <p14:creationId xmlns:p14="http://schemas.microsoft.com/office/powerpoint/2010/main" val="292165651"/>
+      </p:ext>
+    </p:extLst>
+  </p:cSld>
+  <p:clrMapOvr>
+    <a:masterClrMapping/>
+  </p:clrMapOvr>
+</p:notes>
+</file>
+
+<file path=ppt/notesSlides/notesSlide5.xml><?xml version="1.0" encoding="utf-8"?>
+<p:notes xmlns:a="http://schemas.openxmlformats.org/drawingml/2006/main" xmlns:r="http://schemas.openxmlformats.org/officeDocument/2006/relationships" xmlns:p="http://schemas.openxmlformats.org/presentationml/2006/main">
+  <p:cSld>
+    <p:spTree>
+      <p:nvGrpSpPr>
+        <p:cNvPr id="1" name=""/>
+        <p:cNvGrpSpPr/>
+        <p:nvPr/>
+      </p:nvGrpSpPr>
+      <p:grpSpPr>
+        <a:xfrm>
+          <a:off x="0" y="0"/>
+          <a:ext cx="0" cy="0"/>
+          <a:chOff x="0" y="0"/>
+          <a:chExt cx="0" cy="0"/>
+        </a:xfrm>
+      </p:grpSpPr>
+      <p:sp>
+        <p:nvSpPr>
+          <p:cNvPr id="2" name="Slide Image Placeholder 1"/>
+          <p:cNvSpPr>
+            <a:spLocks noGrp="1" noRot="1" noChangeAspect="1"/>
+          </p:cNvSpPr>
+          <p:nvPr>
+            <p:ph type="sldImg"/>
+          </p:nvPr>
+        </p:nvSpPr>
+        <p:spPr/>
+      </p:sp>
+      <p:sp>
+        <p:nvSpPr>
+          <p:cNvPr id="3" name="Notes Placeholder 2"/>
+          <p:cNvSpPr>
+            <a:spLocks noGrp="1"/>
+          </p:cNvSpPr>
+          <p:nvPr>
+            <p:ph type="body" idx="1"/>
+          </p:nvPr>
+        </p:nvSpPr>
+        <p:spPr/>
+        <p:txBody>
+          <a:bodyPr/>
+          <a:lstStyle/>
+          <a:p>
+            <a:endParaRPr lang="en-US" dirty="0"/>
+          </a:p>
+        </p:txBody>
+      </p:sp>
+      <p:sp>
+        <p:nvSpPr>
+          <p:cNvPr id="4" name="Slide Number Placeholder 3"/>
+          <p:cNvSpPr>
+            <a:spLocks noGrp="1"/>
+          </p:cNvSpPr>
+          <p:nvPr>
+            <p:ph type="sldNum" sz="quarter" idx="10"/>
+          </p:nvPr>
+        </p:nvSpPr>
+        <p:spPr/>
+        <p:txBody>
+          <a:bodyPr/>
+          <a:lstStyle/>
+          <a:p>
+            <a:fld id="{2743912D-219C-6C43-ACEF-0C2D0D6A3A01}" type="slidenum">
+              <a:rPr lang="en-US" smtClean="0"/>
+              <a:t>6</a:t>
+            </a:fld>
+            <a:endParaRPr lang="en-US"/>
+          </a:p>
+        </p:txBody>
+      </p:sp>
+    </p:spTree>
+    <p:extLst>
+      <p:ext uri="{BB962C8B-B14F-4D97-AF65-F5344CB8AC3E}">
+        <p14:creationId xmlns:p14="http://schemas.microsoft.com/office/powerpoint/2010/main" val="118066220"/>
+      </p:ext>
+    </p:extLst>
+  </p:cSld>
+  <p:clrMapOvr>
+    <a:masterClrMapping/>
+  </p:clrMapOvr>
+</p:notes>
+</file>
+
+<file path=ppt/notesSlides/notesSlide6.xml><?xml version="1.0" encoding="utf-8"?>
+<p:notes xmlns:a="http://schemas.openxmlformats.org/drawingml/2006/main" xmlns:r="http://schemas.openxmlformats.org/officeDocument/2006/relationships" xmlns:p="http://schemas.openxmlformats.org/presentationml/2006/main">
+  <p:cSld>
+    <p:spTree>
+      <p:nvGrpSpPr>
+        <p:cNvPr id="1" name=""/>
+        <p:cNvGrpSpPr/>
+        <p:nvPr/>
+      </p:nvGrpSpPr>
+      <p:grpSpPr>
+        <a:xfrm>
+          <a:off x="0" y="0"/>
+          <a:ext cx="0" cy="0"/>
+          <a:chOff x="0" y="0"/>
+          <a:chExt cx="0" cy="0"/>
+        </a:xfrm>
+      </p:grpSpPr>
+      <p:sp>
+        <p:nvSpPr>
+          <p:cNvPr id="2" name="Slide Image Placeholder 1"/>
+          <p:cNvSpPr>
+            <a:spLocks noGrp="1" noRot="1" noChangeAspect="1"/>
+          </p:cNvSpPr>
+          <p:nvPr>
+            <p:ph type="sldImg"/>
+          </p:nvPr>
+        </p:nvSpPr>
+        <p:spPr/>
+      </p:sp>
+      <p:sp>
+        <p:nvSpPr>
+          <p:cNvPr id="3" name="Notes Placeholder 2"/>
+          <p:cNvSpPr>
+            <a:spLocks noGrp="1"/>
+          </p:cNvSpPr>
+          <p:nvPr>
+            <p:ph type="body" idx="1"/>
+          </p:nvPr>
+        </p:nvSpPr>
+        <p:spPr/>
+        <p:txBody>
+          <a:bodyPr/>
+          <a:lstStyle/>
+          <a:p>
             <a:r>
               <a:rPr lang="en-US" dirty="0" smtClean="0"/>
               <a:t>LOO testing</a:t>
@@ -854,7 +1023,7 @@
           <a:p>
             <a:fld id="{2743912D-219C-6C43-ACEF-0C2D0D6A3A01}" type="slidenum">
               <a:rPr lang="en-US" smtClean="0"/>
-              <a:t>8</a:t>
+              <a:t>9</a:t>
             </a:fld>
             <a:endParaRPr lang="en-US"/>
           </a:p>
@@ -1004,7 +1173,7 @@
           <a:p>
             <a:fld id="{AC020E75-F84B-F342-8F11-D007000D2CC1}" type="datetimeFigureOut">
               <a:rPr lang="en-US" smtClean="0"/>
-              <a:t>11/5/16</a:t>
+              <a:t>11/10/16</a:t>
             </a:fld>
             <a:endParaRPr lang="en-US"/>
           </a:p>
@@ -1174,7 +1343,7 @@
           <a:p>
             <a:fld id="{AC020E75-F84B-F342-8F11-D007000D2CC1}" type="datetimeFigureOut">
               <a:rPr lang="en-US" smtClean="0"/>
-              <a:t>11/5/16</a:t>
+              <a:t>11/10/16</a:t>
             </a:fld>
             <a:endParaRPr lang="en-US"/>
           </a:p>
@@ -1354,7 +1523,7 @@
           <a:p>
             <a:fld id="{AC020E75-F84B-F342-8F11-D007000D2CC1}" type="datetimeFigureOut">
               <a:rPr lang="en-US" smtClean="0"/>
-              <a:t>11/5/16</a:t>
+              <a:t>11/10/16</a:t>
             </a:fld>
             <a:endParaRPr lang="en-US"/>
           </a:p>
@@ -1524,7 +1693,7 @@
           <a:p>
             <a:fld id="{AC020E75-F84B-F342-8F11-D007000D2CC1}" type="datetimeFigureOut">
               <a:rPr lang="en-US" smtClean="0"/>
-              <a:t>11/5/16</a:t>
+              <a:t>11/10/16</a:t>
             </a:fld>
             <a:endParaRPr lang="en-US"/>
           </a:p>
@@ -1770,7 +1939,7 @@
           <a:p>
             <a:fld id="{AC020E75-F84B-F342-8F11-D007000D2CC1}" type="datetimeFigureOut">
               <a:rPr lang="en-US" smtClean="0"/>
-              <a:t>11/5/16</a:t>
+              <a:t>11/10/16</a:t>
             </a:fld>
             <a:endParaRPr lang="en-US"/>
           </a:p>
@@ -2002,7 +2171,7 @@
           <a:p>
             <a:fld id="{AC020E75-F84B-F342-8F11-D007000D2CC1}" type="datetimeFigureOut">
               <a:rPr lang="en-US" smtClean="0"/>
-              <a:t>11/5/16</a:t>
+              <a:t>11/10/16</a:t>
             </a:fld>
             <a:endParaRPr lang="en-US"/>
           </a:p>
@@ -2369,7 +2538,7 @@
           <a:p>
             <a:fld id="{AC020E75-F84B-F342-8F11-D007000D2CC1}" type="datetimeFigureOut">
               <a:rPr lang="en-US" smtClean="0"/>
-              <a:t>11/5/16</a:t>
+              <a:t>11/10/16</a:t>
             </a:fld>
             <a:endParaRPr lang="en-US"/>
           </a:p>
@@ -2487,7 +2656,7 @@
           <a:p>
             <a:fld id="{AC020E75-F84B-F342-8F11-D007000D2CC1}" type="datetimeFigureOut">
               <a:rPr lang="en-US" smtClean="0"/>
-              <a:t>11/5/16</a:t>
+              <a:t>11/10/16</a:t>
             </a:fld>
             <a:endParaRPr lang="en-US"/>
           </a:p>
@@ -2582,7 +2751,7 @@
           <a:p>
             <a:fld id="{AC020E75-F84B-F342-8F11-D007000D2CC1}" type="datetimeFigureOut">
               <a:rPr lang="en-US" smtClean="0"/>
-              <a:t>11/5/16</a:t>
+              <a:t>11/10/16</a:t>
             </a:fld>
             <a:endParaRPr lang="en-US"/>
           </a:p>
@@ -2859,7 +3028,7 @@
           <a:p>
             <a:fld id="{AC020E75-F84B-F342-8F11-D007000D2CC1}" type="datetimeFigureOut">
               <a:rPr lang="en-US" smtClean="0"/>
-              <a:t>11/5/16</a:t>
+              <a:t>11/10/16</a:t>
             </a:fld>
             <a:endParaRPr lang="en-US"/>
           </a:p>
@@ -3112,7 +3281,7 @@
           <a:p>
             <a:fld id="{AC020E75-F84B-F342-8F11-D007000D2CC1}" type="datetimeFigureOut">
               <a:rPr lang="en-US" smtClean="0"/>
-              <a:t>11/5/16</a:t>
+              <a:t>11/10/16</a:t>
             </a:fld>
             <a:endParaRPr lang="en-US"/>
           </a:p>
@@ -3325,7 +3494,7 @@
           <a:p>
             <a:fld id="{AC020E75-F84B-F342-8F11-D007000D2CC1}" type="datetimeFigureOut">
               <a:rPr lang="en-US" smtClean="0"/>
-              <a:t>11/5/16</a:t>
+              <a:t>11/10/16</a:t>
             </a:fld>
             <a:endParaRPr lang="en-US"/>
           </a:p>
@@ -4126,14 +4295,25 @@
               <a:rPr lang="en-US" b="1" dirty="0" smtClean="0"/>
               <a:t>Ready to use data pipeline</a:t>
             </a:r>
-            <a:endParaRPr lang="en-US" b="1" dirty="0" smtClean="0"/>
           </a:p>
           <a:p>
             <a:pPr lvl="1"/>
             <a:r>
               <a:rPr lang="en-US" dirty="0" smtClean="0"/>
-              <a:t>Data collection, data sampling, data segmenting, features generation, model training, model testing (K-Folds cross validation)</a:t>
-            </a:r>
+              <a:t>Data collection, data sampling, data segmenting, features generation, model training, model testing (K-Folds cross validation</a:t>
+            </a:r>
+            <a:r>
+              <a:rPr lang="en-US" dirty="0" smtClean="0"/>
+              <a:t>)</a:t>
+            </a:r>
+          </a:p>
+          <a:p>
+            <a:pPr lvl="1"/>
+            <a:r>
+              <a:rPr lang="en-US" dirty="0" smtClean="0"/>
+              <a:t>Easy to change pipeline configuration</a:t>
+            </a:r>
+            <a:endParaRPr lang="en-US" dirty="0" smtClean="0"/>
           </a:p>
           <a:p>
             <a:r>
@@ -4252,30 +4432,46 @@
             <a:pPr lvl="1"/>
             <a:r>
               <a:rPr lang="en-US" dirty="0" smtClean="0"/>
-              <a:t>Need to be updated </a:t>
-            </a:r>
-            <a:r>
-              <a:rPr lang="en-US" dirty="0"/>
-              <a:t>since the last time because the </a:t>
-            </a:r>
+              <a:t>AngularJS with Python server</a:t>
+            </a:r>
+          </a:p>
+          <a:p>
+            <a:pPr lvl="1"/>
             <a:r>
               <a:rPr lang="en-US" dirty="0" smtClean="0"/>
-              <a:t>file name format </a:t>
-            </a:r>
-            <a:r>
-              <a:rPr lang="en-US" dirty="0"/>
-              <a:t>keeps </a:t>
-            </a:r>
+              <a:t>Beautifully visualize the raw data</a:t>
+            </a:r>
+          </a:p>
+          <a:p>
+            <a:pPr lvl="1"/>
             <a:r>
               <a:rPr lang="en-US" dirty="0" smtClean="0"/>
-              <a:t>changing</a:t>
+              <a:t>The real-time activity monitor will be incorporated in this web application</a:t>
             </a:r>
             <a:endParaRPr lang="en-US" dirty="0"/>
           </a:p>
           <a:p>
             <a:r>
               <a:rPr lang="en-US" b="1" dirty="0"/>
-              <a:t>Gathered full data from one friend (15 activities, 6 mins each)</a:t>
+              <a:t>Gathered full data from one friend (15 activities, 6 mins each</a:t>
+            </a:r>
+            <a:r>
+              <a:rPr lang="en-US" b="1" dirty="0" smtClean="0"/>
+              <a:t>)</a:t>
+            </a:r>
+          </a:p>
+          <a:p>
+            <a:pPr lvl="1"/>
+            <a:r>
+              <a:rPr lang="en-US" dirty="0" smtClean="0"/>
+              <a:t>Tried a simple LOO (trained using my data, tested with my friend’s data)</a:t>
+            </a:r>
+          </a:p>
+          <a:p>
+            <a:pPr lvl="1"/>
+            <a:r>
+              <a:rPr lang="en-US" dirty="0" smtClean="0"/>
+              <a:t>Problems with the sensor readings range (see graph comparison in next slide)</a:t>
             </a:r>
             <a:endParaRPr lang="en-US" dirty="0"/>
           </a:p>
@@ -4318,108 +4514,249 @@
           <a:chExt cx="0" cy="0"/>
         </a:xfrm>
       </p:grpSpPr>
-      <p:sp>
-        <p:nvSpPr>
-          <p:cNvPr id="2" name="Title 1"/>
-          <p:cNvSpPr>
-            <a:spLocks noGrp="1"/>
-          </p:cNvSpPr>
-          <p:nvPr>
-            <p:ph type="title"/>
-          </p:nvPr>
-        </p:nvSpPr>
-        <p:spPr/>
-        <p:txBody>
-          <a:bodyPr/>
-          <a:lstStyle/>
-          <a:p>
-            <a:r>
-              <a:rPr lang="en-US" b="1" dirty="0" smtClean="0"/>
-              <a:t>Observations</a:t>
-            </a:r>
-            <a:endParaRPr lang="en-US" b="1" dirty="0"/>
-          </a:p>
-        </p:txBody>
-      </p:sp>
-      <p:sp>
-        <p:nvSpPr>
-          <p:cNvPr id="3" name="Content Placeholder 2"/>
-          <p:cNvSpPr>
-            <a:spLocks noGrp="1"/>
-          </p:cNvSpPr>
+      <p:pic>
+        <p:nvPicPr>
+          <p:cNvPr id="4" name="Content Placeholder 3"/>
+          <p:cNvPicPr>
+            <a:picLocks noGrp="1" noChangeAspect="1"/>
+          </p:cNvPicPr>
           <p:nvPr>
             <p:ph idx="1"/>
           </p:nvPr>
-        </p:nvSpPr>
-        <p:spPr/>
-        <p:txBody>
-          <a:bodyPr>
-            <a:normAutofit/>
+        </p:nvPicPr>
+        <p:blipFill>
+          <a:blip r:embed="rId3">
+            <a:extLst>
+              <a:ext uri="{28A0092B-C50C-407E-A947-70E740481C1C}">
+                <a14:useLocalDpi xmlns:a14="http://schemas.microsoft.com/office/drawing/2010/main" val="0"/>
+              </a:ext>
+            </a:extLst>
+          </a:blip>
+          <a:stretch>
+            <a:fillRect/>
+          </a:stretch>
+        </p:blipFill>
+        <p:spPr>
+          <a:xfrm>
+            <a:off x="0" y="1"/>
+            <a:ext cx="6512400" cy="4126669"/>
+          </a:xfrm>
+        </p:spPr>
+      </p:pic>
+      <p:pic>
+        <p:nvPicPr>
+          <p:cNvPr id="5" name="Picture 4"/>
+          <p:cNvPicPr>
+            <a:picLocks noChangeAspect="1"/>
+          </p:cNvPicPr>
+          <p:nvPr/>
+        </p:nvPicPr>
+        <p:blipFill>
+          <a:blip r:embed="rId4">
+            <a:extLst>
+              <a:ext uri="{28A0092B-C50C-407E-A947-70E740481C1C}">
+                <a14:useLocalDpi xmlns:a14="http://schemas.microsoft.com/office/drawing/2010/main" val="0"/>
+              </a:ext>
+            </a:extLst>
+          </a:blip>
+          <a:stretch>
+            <a:fillRect/>
+          </a:stretch>
+        </p:blipFill>
+        <p:spPr>
+          <a:xfrm>
+            <a:off x="5679600" y="17528"/>
+            <a:ext cx="6512400" cy="4109142"/>
+          </a:xfrm>
+          <a:prstGeom prst="rect">
+            <a:avLst/>
+          </a:prstGeom>
+        </p:spPr>
+      </p:pic>
+      <p:sp>
+        <p:nvSpPr>
+          <p:cNvPr id="6" name="TextBox 5"/>
+          <p:cNvSpPr txBox="1"/>
+          <p:nvPr/>
+        </p:nvSpPr>
+        <p:spPr>
+          <a:xfrm>
+            <a:off x="2768726" y="4144197"/>
+            <a:ext cx="974947" cy="369332"/>
+          </a:xfrm>
+          <a:prstGeom prst="rect">
+            <a:avLst/>
+          </a:prstGeom>
+          <a:noFill/>
+        </p:spPr>
+        <p:txBody>
+          <a:bodyPr wrap="none" rtlCol="0">
+            <a:spAutoFit/>
           </a:bodyPr>
           <a:lstStyle/>
           <a:p>
             <a:r>
-              <a:rPr lang="en-US" b="1" dirty="0" smtClean="0"/>
-              <a:t>The data combination of Smartphone and Smartwatch increases the prediction accuracy</a:t>
-            </a:r>
-          </a:p>
-          <a:p>
-            <a:pPr lvl="1"/>
-            <a:r>
-              <a:rPr lang="en-US" dirty="0"/>
-              <a:t>Model trained only using the Smartwatch data is better than if it is trained using the Smartphone only</a:t>
-            </a:r>
-          </a:p>
-          <a:p>
-            <a:pPr lvl="1"/>
-            <a:r>
-              <a:rPr lang="en-US" dirty="0"/>
-              <a:t>Most likely because most activities are focused on </a:t>
-            </a:r>
-            <a:r>
               <a:rPr lang="en-US" dirty="0" smtClean="0"/>
-              <a:t>hand-activities</a:t>
-            </a:r>
-            <a:endParaRPr lang="en-US" b="1" dirty="0" smtClean="0"/>
-          </a:p>
-          <a:p>
-            <a:r>
-              <a:rPr lang="en-US" b="1" dirty="0" smtClean="0"/>
-              <a:t>Using only accelerometer data may be sufficient to get high accuracy</a:t>
-            </a:r>
-          </a:p>
-          <a:p>
-            <a:pPr lvl="1"/>
-            <a:r>
-              <a:rPr lang="en-US" dirty="0" smtClean="0"/>
-              <a:t>Need to verify by doing LOO CV</a:t>
-            </a:r>
-          </a:p>
-          <a:p>
-            <a:r>
-              <a:rPr lang="en-US" b="1" dirty="0" smtClean="0"/>
-              <a:t>Bigger window size increases the accuracy</a:t>
-            </a:r>
-          </a:p>
-          <a:p>
-            <a:pPr lvl="1"/>
-            <a:r>
-              <a:rPr lang="en-US" dirty="0" smtClean="0"/>
-              <a:t>More context is captured by the features and hence the model</a:t>
-            </a:r>
+              <a:t>My Data</a:t>
+            </a:r>
+            <a:endParaRPr lang="en-US" dirty="0"/>
+          </a:p>
+        </p:txBody>
+      </p:sp>
+      <p:sp>
+        <p:nvSpPr>
+          <p:cNvPr id="7" name="TextBox 6"/>
+          <p:cNvSpPr txBox="1"/>
+          <p:nvPr/>
+        </p:nvSpPr>
+        <p:spPr>
+          <a:xfrm>
+            <a:off x="8056232" y="4144197"/>
+            <a:ext cx="1759136" cy="369332"/>
+          </a:xfrm>
+          <a:prstGeom prst="rect">
+            <a:avLst/>
+          </a:prstGeom>
+          <a:noFill/>
+        </p:spPr>
+        <p:txBody>
+          <a:bodyPr wrap="none" rtlCol="0">
+            <a:spAutoFit/>
+          </a:bodyPr>
+          <a:lstStyle/>
+          <a:p>
+            <a:r>
+              <a:rPr lang="en-US" smtClean="0"/>
+              <a:t>My Friend’s Data</a:t>
+            </a:r>
+            <a:endParaRPr lang="en-US"/>
+          </a:p>
+        </p:txBody>
+      </p:sp>
+      <p:sp>
+        <p:nvSpPr>
+          <p:cNvPr id="9" name="TextBox 8"/>
+          <p:cNvSpPr txBox="1"/>
+          <p:nvPr/>
+        </p:nvSpPr>
+        <p:spPr>
+          <a:xfrm flipH="1">
+            <a:off x="112149" y="4618951"/>
+            <a:ext cx="11733486" cy="1923604"/>
+          </a:xfrm>
+          <a:prstGeom prst="rect">
+            <a:avLst/>
+          </a:prstGeom>
+          <a:noFill/>
+        </p:spPr>
+        <p:txBody>
+          <a:bodyPr wrap="square" rtlCol="0">
+            <a:spAutoFit/>
+          </a:bodyPr>
+          <a:lstStyle/>
+          <a:p>
+            <a:pPr marL="285750" indent="-285750">
+              <a:buFont typeface="Arial" charset="0"/>
+              <a:buChar char="•"/>
+            </a:pPr>
+            <a:r>
+              <a:rPr lang="en-US" sz="1700" b="1" dirty="0" smtClean="0"/>
+              <a:t>Result is </a:t>
+            </a:r>
+            <a:r>
+              <a:rPr lang="en-US" sz="1700" b="1" u="sng" dirty="0" smtClean="0"/>
+              <a:t>very bad</a:t>
+            </a:r>
+            <a:r>
+              <a:rPr lang="en-US" sz="1700" b="1" dirty="0" smtClean="0"/>
+              <a:t> </a:t>
+            </a:r>
+            <a:r>
+              <a:rPr lang="en-US" sz="1700" dirty="0" smtClean="0"/>
+              <a:t>(and I think this is likely to happen even when we have collected more data from more subjects)</a:t>
+            </a:r>
+            <a:endParaRPr lang="en-US" sz="1700" b="1" u="sng" dirty="0" smtClean="0"/>
+          </a:p>
+          <a:p>
+            <a:pPr marL="285750" indent="-285750">
+              <a:buFont typeface="Arial" charset="0"/>
+              <a:buChar char="•"/>
+            </a:pPr>
+            <a:r>
+              <a:rPr lang="en-US" sz="1700" b="1" dirty="0" smtClean="0"/>
+              <a:t>If a small part of my friend’s data is included (around 100 data points chosen randomly), the accuracy is boosted significantly</a:t>
+            </a:r>
+          </a:p>
+          <a:p>
+            <a:pPr marL="742950" lvl="1" indent="-285750">
+              <a:buFont typeface="Arial" charset="0"/>
+              <a:buChar char="•"/>
+            </a:pPr>
+            <a:r>
+              <a:rPr lang="en-US" sz="1700" b="1" dirty="0" smtClean="0"/>
+              <a:t>Random Forest </a:t>
+            </a:r>
+            <a:r>
+              <a:rPr lang="en-US" sz="1700" dirty="0" smtClean="0">
+                <a:sym typeface="Wingdings"/>
+              </a:rPr>
+              <a:t> from ~45%</a:t>
+            </a:r>
+            <a:r>
+              <a:rPr lang="en-US" sz="1700" dirty="0" smtClean="0"/>
+              <a:t> to ~80%</a:t>
+            </a:r>
+          </a:p>
+          <a:p>
+            <a:pPr marL="285750" indent="-285750">
+              <a:buFont typeface="Arial" charset="0"/>
+              <a:buChar char="•"/>
+            </a:pPr>
+            <a:r>
+              <a:rPr lang="en-US" sz="1700" b="1" dirty="0" smtClean="0"/>
+              <a:t>Possible reasons:</a:t>
+            </a:r>
+          </a:p>
+          <a:p>
+            <a:pPr marL="742950" lvl="1" indent="-285750">
+              <a:buFont typeface="Arial" charset="0"/>
+              <a:buChar char="•"/>
+            </a:pPr>
+            <a:r>
+              <a:rPr lang="en-US" sz="1700" dirty="0" smtClean="0"/>
+              <a:t>Different data range</a:t>
+            </a:r>
+          </a:p>
+          <a:p>
+            <a:pPr marL="742950" lvl="1" indent="-285750">
+              <a:buFont typeface="Arial" charset="0"/>
+              <a:buChar char="•"/>
+            </a:pPr>
+            <a:r>
+              <a:rPr lang="en-US" sz="1700" dirty="0" smtClean="0"/>
+              <a:t>Even after min-max normalization (min-max is taken from the training data), the normalized data may be greater than 1 or lower than 0</a:t>
+            </a:r>
+            <a:endParaRPr lang="en-US" sz="1700" dirty="0"/>
           </a:p>
         </p:txBody>
       </p:sp>
     </p:spTree>
     <p:extLst>
       <p:ext uri="{BB962C8B-B14F-4D97-AF65-F5344CB8AC3E}">
-        <p14:creationId xmlns:p14="http://schemas.microsoft.com/office/powerpoint/2010/main" val="1154084710"/>
+        <p14:creationId xmlns:p14="http://schemas.microsoft.com/office/powerpoint/2010/main" val="929677209"/>
       </p:ext>
     </p:extLst>
   </p:cSld>
   <p:clrMapOvr>
     <a:masterClrMapping/>
   </p:clrMapOvr>
+  <p:timing>
+    <p:tnLst>
+      <p:par>
+        <p:cTn id="1" dur="indefinite" restart="never" nodeType="tmRoot"/>
+      </p:par>
+    </p:tnLst>
+  </p:timing>
 </p:sld>
 </file>
 
@@ -4457,7 +4794,7 @@
           <a:p>
             <a:r>
               <a:rPr lang="en-US" b="1" dirty="0" smtClean="0"/>
-              <a:t>Model Performance Comparison</a:t>
+              <a:t>Observations</a:t>
             </a:r>
             <a:endParaRPr lang="en-US" b="1" dirty="0"/>
           </a:p>
@@ -4475,944 +4812,80 @@
         </p:nvSpPr>
         <p:spPr/>
         <p:txBody>
-          <a:bodyPr/>
-          <a:lstStyle/>
-          <a:p>
+          <a:bodyPr>
+            <a:normAutofit/>
+          </a:bodyPr>
+          <a:lstStyle/>
+          <a:p>
+            <a:r>
+              <a:rPr lang="en-US" b="1" dirty="0" smtClean="0"/>
+              <a:t>The data combination of Smartphone and Smartwatch increases the prediction accuracy</a:t>
+            </a:r>
+          </a:p>
+          <a:p>
+            <a:pPr lvl="1"/>
+            <a:r>
+              <a:rPr lang="en-US" dirty="0"/>
+              <a:t>Model trained only using the Smartwatch data is better than if it is trained using the Smartphone only</a:t>
+            </a:r>
+          </a:p>
+          <a:p>
+            <a:pPr lvl="1"/>
+            <a:r>
+              <a:rPr lang="en-US" dirty="0"/>
+              <a:t>Most likely because most activities are focused on </a:t>
+            </a:r>
             <a:r>
               <a:rPr lang="en-US" dirty="0" smtClean="0"/>
-              <a:t>15 activities, Sampling @ 10 Hz, Window size = 2s</a:t>
-            </a:r>
-          </a:p>
-        </p:txBody>
-      </p:sp>
-      <mc:AlternateContent xmlns:mc="http://schemas.openxmlformats.org/markup-compatibility/2006">
-        <mc:Choice xmlns:a14="http://schemas.microsoft.com/office/drawing/2010/main" Requires="a14">
-          <p:graphicFrame>
-            <p:nvGraphicFramePr>
-              <p:cNvPr id="6" name="Table 5"/>
-              <p:cNvGraphicFramePr>
-                <a:graphicFrameLocks noGrp="1"/>
-              </p:cNvGraphicFramePr>
-              <p:nvPr>
-                <p:extLst>
-                  <p:ext uri="{D42A27DB-BD31-4B8C-83A1-F6EECF244321}">
-                    <p14:modId xmlns:p14="http://schemas.microsoft.com/office/powerpoint/2010/main" val="1994544055"/>
-                  </p:ext>
-                </p:extLst>
-              </p:nvPr>
-            </p:nvGraphicFramePr>
-            <p:xfrm>
-              <a:off x="1117600" y="2460784"/>
-              <a:ext cx="10228150" cy="3108960"/>
-            </p:xfrm>
-            <a:graphic>
-              <a:graphicData uri="http://schemas.openxmlformats.org/drawingml/2006/table">
-                <a:tbl>
-                  <a:tblPr firstRow="1" bandRow="1">
-                    <a:tableStyleId>{5C22544A-7EE6-4342-B048-85BDC9FD1C3A}</a:tableStyleId>
-                  </a:tblPr>
-                  <a:tblGrid>
-                    <a:gridCol w="3426691"/>
-                    <a:gridCol w="2286000"/>
-                    <a:gridCol w="2258291"/>
-                    <a:gridCol w="2257168"/>
-                  </a:tblGrid>
-                  <a:tr h="370840">
-                    <a:tc>
-                      <a:txBody>
-                        <a:bodyPr/>
-                        <a:lstStyle/>
-                        <a:p>
-                          <a:pPr algn="ctr"/>
-                          <a:r>
-                            <a:rPr lang="en-US" sz="2400" dirty="0" smtClean="0"/>
-                            <a:t>Models</a:t>
-                          </a:r>
-                          <a:endParaRPr lang="en-US" sz="2400" dirty="0"/>
-                        </a:p>
-                      </a:txBody>
-                      <a:tcPr/>
-                    </a:tc>
-                    <a:tc>
-                      <a:txBody>
-                        <a:bodyPr/>
-                        <a:lstStyle/>
-                        <a:p>
-                          <a:pPr algn="ctr"/>
-                          <a:r>
-                            <a:rPr lang="en-US" sz="2400" dirty="0" smtClean="0"/>
-                            <a:t>Accurac</a:t>
-                          </a:r>
-                          <a:r>
-                            <a:rPr lang="en-US" sz="2400" baseline="0" dirty="0" smtClean="0"/>
-                            <a:t>y Mean</a:t>
-                          </a:r>
-                        </a:p>
-                        <a:p>
-                          <a:pPr algn="ctr"/>
-                          <a:r>
-                            <a:rPr lang="en-US" sz="2400" baseline="0" dirty="0" smtClean="0"/>
-                            <a:t>(SP + SW)</a:t>
-                          </a:r>
-                          <a:endParaRPr lang="en-US" sz="2400" dirty="0"/>
-                        </a:p>
-                      </a:txBody>
-                      <a:tcPr/>
-                    </a:tc>
-                    <a:tc>
-                      <a:txBody>
-                        <a:bodyPr/>
-                        <a:lstStyle/>
-                        <a:p>
-                          <a:pPr algn="ctr"/>
-                          <a:r>
-                            <a:rPr lang="en-US" sz="2400" dirty="0" smtClean="0"/>
-                            <a:t>Accuracy Mean</a:t>
-                          </a:r>
-                        </a:p>
-                        <a:p>
-                          <a:pPr algn="ctr"/>
-                          <a:r>
-                            <a:rPr lang="en-US" sz="2400" dirty="0" smtClean="0"/>
-                            <a:t>(SP)</a:t>
-                          </a:r>
-                          <a:endParaRPr lang="en-US" sz="2400" dirty="0"/>
-                        </a:p>
-                      </a:txBody>
-                      <a:tcPr/>
-                    </a:tc>
-                    <a:tc>
-                      <a:txBody>
-                        <a:bodyPr/>
-                        <a:lstStyle/>
-                        <a:p>
-                          <a:pPr algn="ctr"/>
-                          <a:r>
-                            <a:rPr lang="en-US" sz="2400" dirty="0" smtClean="0"/>
-                            <a:t>Accuracy Mean</a:t>
-                          </a:r>
-                        </a:p>
-                        <a:p>
-                          <a:pPr algn="ctr"/>
-                          <a:r>
-                            <a:rPr lang="en-US" sz="2400" dirty="0" smtClean="0"/>
-                            <a:t>(SW)</a:t>
-                          </a:r>
-                          <a:endParaRPr lang="en-US" sz="2400" dirty="0"/>
-                        </a:p>
-                      </a:txBody>
-                      <a:tcPr/>
-                    </a:tc>
-                  </a:tr>
-                  <a:tr h="370840">
-                    <a:tc>
-                      <a:txBody>
-                        <a:bodyPr/>
-                        <a:lstStyle/>
-                        <a:p>
-                          <a:r>
-                            <a:rPr lang="en-US" sz="2400" dirty="0" smtClean="0"/>
-                            <a:t>Random Forest (n = 50)</a:t>
-                          </a:r>
-                          <a:endParaRPr lang="en-US" sz="2400" dirty="0"/>
-                        </a:p>
-                      </a:txBody>
-                      <a:tcPr/>
-                    </a:tc>
-                    <a:tc>
-                      <a:txBody>
-                        <a:bodyPr/>
-                        <a:lstStyle/>
-                        <a:p>
-                          <a:pPr algn="ctr"/>
-                          <a:r>
-                            <a:rPr lang="en-US" sz="2400" dirty="0" smtClean="0"/>
-                            <a:t>97.83% </a:t>
-                          </a:r>
-                          <a14:m>
-                            <m:oMath xmlns:m="http://schemas.openxmlformats.org/officeDocument/2006/math">
-                              <m:r>
-                                <a:rPr lang="en-US" sz="2400" i="1" smtClean="0">
-                                  <a:latin typeface="Cambria Math" charset="0"/>
-                                  <a:ea typeface="Cambria Math" charset="0"/>
-                                  <a:cs typeface="Cambria Math" charset="0"/>
-                                </a:rPr>
-                                <m:t>±</m:t>
-                              </m:r>
-                            </m:oMath>
-                          </a14:m>
-                          <a:r>
-                            <a:rPr lang="en-US" sz="2400" dirty="0" smtClean="0"/>
-                            <a:t> 0.33%  </a:t>
-                          </a:r>
-                          <a:endParaRPr lang="en-US" sz="2400" dirty="0"/>
-                        </a:p>
-                      </a:txBody>
-                      <a:tcPr/>
-                    </a:tc>
-                    <a:tc>
-                      <a:txBody>
-                        <a:bodyPr/>
-                        <a:lstStyle/>
-                        <a:p>
-                          <a:pPr algn="ctr"/>
-                          <a:r>
-                            <a:rPr lang="en-US" sz="2400" dirty="0" smtClean="0"/>
-                            <a:t>93.34% </a:t>
-                          </a:r>
-                          <a14:m>
-                            <m:oMath xmlns:m="http://schemas.openxmlformats.org/officeDocument/2006/math">
-                              <m:r>
-                                <a:rPr lang="en-US" sz="2400" i="1" smtClean="0">
-                                  <a:latin typeface="Cambria Math" charset="0"/>
-                                  <a:ea typeface="Cambria Math" charset="0"/>
-                                  <a:cs typeface="Cambria Math" charset="0"/>
-                                </a:rPr>
-                                <m:t>±</m:t>
-                              </m:r>
-                            </m:oMath>
-                          </a14:m>
-                          <a:r>
-                            <a:rPr lang="en-US" sz="2400" dirty="0" smtClean="0"/>
-                            <a:t> 0.92%</a:t>
-                          </a:r>
-                          <a:endParaRPr lang="en-US" sz="2400" dirty="0"/>
-                        </a:p>
-                      </a:txBody>
-                      <a:tcPr/>
-                    </a:tc>
-                    <a:tc>
-                      <a:txBody>
-                        <a:bodyPr/>
-                        <a:lstStyle/>
-                        <a:p>
-                          <a:pPr algn="ctr"/>
-                          <a:r>
-                            <a:rPr lang="en-US" sz="2400" dirty="0" smtClean="0"/>
-                            <a:t>94.05% </a:t>
-                          </a:r>
-                          <a14:m>
-                            <m:oMath xmlns:m="http://schemas.openxmlformats.org/officeDocument/2006/math">
-                              <m:r>
-                                <a:rPr lang="en-US" sz="2400" i="1" smtClean="0">
-                                  <a:latin typeface="Cambria Math" charset="0"/>
-                                  <a:ea typeface="Cambria Math" charset="0"/>
-                                  <a:cs typeface="Cambria Math" charset="0"/>
-                                </a:rPr>
-                                <m:t>±</m:t>
-                              </m:r>
-                            </m:oMath>
-                          </a14:m>
-                          <a:r>
-                            <a:rPr lang="en-US" sz="2400" dirty="0" smtClean="0"/>
-                            <a:t> 0.63%</a:t>
-                          </a:r>
-                          <a:endParaRPr lang="en-US" sz="2400" dirty="0"/>
-                        </a:p>
-                      </a:txBody>
-                      <a:tcPr/>
-                    </a:tc>
-                  </a:tr>
-                  <a:tr h="370840">
-                    <a:tc>
-                      <a:txBody>
-                        <a:bodyPr/>
-                        <a:lstStyle/>
-                        <a:p>
-                          <a:r>
-                            <a:rPr lang="en-US" sz="2400" dirty="0" smtClean="0"/>
-                            <a:t>SVM (C</a:t>
-                          </a:r>
-                          <a:r>
-                            <a:rPr lang="en-US" sz="2400" baseline="0" dirty="0" smtClean="0"/>
-                            <a:t> = 100)</a:t>
-                          </a:r>
-                          <a:endParaRPr lang="en-US" sz="2400" dirty="0"/>
-                        </a:p>
-                      </a:txBody>
-                      <a:tcPr/>
-                    </a:tc>
-                    <a:tc>
-                      <a:txBody>
-                        <a:bodyPr/>
-                        <a:lstStyle/>
-                        <a:p>
-                          <a:pPr algn="ctr"/>
-                          <a:r>
-                            <a:rPr lang="en-US" sz="2400" dirty="0" smtClean="0"/>
-                            <a:t>97.55% </a:t>
-                          </a:r>
-                          <a14:m>
-                            <m:oMath xmlns:m="http://schemas.openxmlformats.org/officeDocument/2006/math">
-                              <m:r>
-                                <a:rPr lang="en-US" sz="2400" i="1" smtClean="0">
-                                  <a:latin typeface="Cambria Math" charset="0"/>
-                                  <a:ea typeface="Cambria Math" charset="0"/>
-                                  <a:cs typeface="Cambria Math" charset="0"/>
-                                </a:rPr>
-                                <m:t>±</m:t>
-                              </m:r>
-                            </m:oMath>
-                          </a14:m>
-                          <a:r>
-                            <a:rPr lang="en-US" sz="2400" dirty="0" smtClean="0"/>
-                            <a:t> 0.32%</a:t>
-                          </a:r>
-                          <a:endParaRPr lang="en-US" sz="2400" dirty="0"/>
-                        </a:p>
-                      </a:txBody>
-                      <a:tcPr/>
-                    </a:tc>
-                    <a:tc>
-                      <a:txBody>
-                        <a:bodyPr/>
-                        <a:lstStyle/>
-                        <a:p>
-                          <a:pPr algn="ctr"/>
-                          <a:r>
-                            <a:rPr lang="en-US" sz="2400" dirty="0" smtClean="0"/>
-                            <a:t>88.29% </a:t>
-                          </a:r>
-                          <a14:m>
-                            <m:oMath xmlns:m="http://schemas.openxmlformats.org/officeDocument/2006/math">
-                              <m:r>
-                                <a:rPr lang="en-US" sz="2400" i="1" smtClean="0">
-                                  <a:latin typeface="Cambria Math" charset="0"/>
-                                  <a:ea typeface="Cambria Math" charset="0"/>
-                                  <a:cs typeface="Cambria Math" charset="0"/>
-                                </a:rPr>
-                                <m:t>±</m:t>
-                              </m:r>
-                            </m:oMath>
-                          </a14:m>
-                          <a:r>
-                            <a:rPr lang="en-US" sz="2400" dirty="0" smtClean="0"/>
-                            <a:t> 1.16%</a:t>
-                          </a:r>
-                          <a:endParaRPr lang="en-US" sz="2400" dirty="0"/>
-                        </a:p>
-                      </a:txBody>
-                      <a:tcPr/>
-                    </a:tc>
-                    <a:tc>
-                      <a:txBody>
-                        <a:bodyPr/>
-                        <a:lstStyle/>
-                        <a:p>
-                          <a:pPr algn="ctr"/>
-                          <a:r>
-                            <a:rPr lang="en-US" sz="2400" dirty="0" smtClean="0"/>
-                            <a:t>90.61% </a:t>
-                          </a:r>
-                          <a14:m>
-                            <m:oMath xmlns:m="http://schemas.openxmlformats.org/officeDocument/2006/math">
-                              <m:r>
-                                <a:rPr lang="en-US" sz="2400" i="1" smtClean="0">
-                                  <a:latin typeface="Cambria Math" charset="0"/>
-                                  <a:ea typeface="Cambria Math" charset="0"/>
-                                  <a:cs typeface="Cambria Math" charset="0"/>
-                                </a:rPr>
-                                <m:t>±</m:t>
-                              </m:r>
-                            </m:oMath>
-                          </a14:m>
-                          <a:r>
-                            <a:rPr lang="en-US" sz="2400" dirty="0" smtClean="0"/>
-                            <a:t> 1.11%</a:t>
-                          </a:r>
-                          <a:endParaRPr lang="en-US" sz="2400" dirty="0"/>
-                        </a:p>
-                      </a:txBody>
-                      <a:tcPr/>
-                    </a:tc>
-                  </a:tr>
-                  <a:tr h="370840">
-                    <a:tc>
-                      <a:txBody>
-                        <a:bodyPr/>
-                        <a:lstStyle/>
-                        <a:p>
-                          <a:r>
-                            <a:rPr lang="en-US" sz="2400" dirty="0" smtClean="0"/>
-                            <a:t>Gaussian Naive</a:t>
-                          </a:r>
-                          <a:r>
-                            <a:rPr lang="en-US" sz="2400" baseline="0" dirty="0" smtClean="0"/>
-                            <a:t> Bayes</a:t>
-                          </a:r>
-                          <a:endParaRPr lang="en-US" sz="2400" dirty="0"/>
-                        </a:p>
-                      </a:txBody>
-                      <a:tcPr/>
-                    </a:tc>
-                    <a:tc>
-                      <a:txBody>
-                        <a:bodyPr/>
-                        <a:lstStyle/>
-                        <a:p>
-                          <a:pPr algn="ctr"/>
-                          <a:endParaRPr lang="en-US" sz="2400" dirty="0"/>
-                        </a:p>
-                      </a:txBody>
-                      <a:tcPr/>
-                    </a:tc>
-                    <a:tc>
-                      <a:txBody>
-                        <a:bodyPr/>
-                        <a:lstStyle/>
-                        <a:p>
-                          <a:pPr algn="ctr"/>
-                          <a:endParaRPr lang="en-US" sz="2400" dirty="0"/>
-                        </a:p>
-                      </a:txBody>
-                      <a:tcPr/>
-                    </a:tc>
-                    <a:tc>
-                      <a:txBody>
-                        <a:bodyPr/>
-                        <a:lstStyle/>
-                        <a:p>
-                          <a:pPr algn="ctr"/>
-                          <a:endParaRPr lang="en-US" sz="2400" dirty="0"/>
-                        </a:p>
-                      </a:txBody>
-                      <a:tcPr/>
-                    </a:tc>
-                  </a:tr>
-                  <a:tr h="370840">
-                    <a:tc>
-                      <a:txBody>
-                        <a:bodyPr/>
-                        <a:lstStyle/>
-                        <a:p>
-                          <a:r>
-                            <a:rPr lang="en-US" sz="2400" dirty="0" smtClean="0"/>
-                            <a:t>Multinomial</a:t>
-                          </a:r>
-                          <a:r>
-                            <a:rPr lang="en-US" sz="2400" baseline="0" dirty="0" smtClean="0"/>
-                            <a:t> Naive Bayes</a:t>
-                          </a:r>
-                          <a:endParaRPr lang="en-US" sz="2400" dirty="0"/>
-                        </a:p>
-                      </a:txBody>
-                      <a:tcPr/>
-                    </a:tc>
-                    <a:tc>
-                      <a:txBody>
-                        <a:bodyPr/>
-                        <a:lstStyle/>
-                        <a:p>
-                          <a:pPr algn="ctr"/>
-                          <a:endParaRPr lang="en-US" sz="2400" dirty="0"/>
-                        </a:p>
-                      </a:txBody>
-                      <a:tcPr/>
-                    </a:tc>
-                    <a:tc>
-                      <a:txBody>
-                        <a:bodyPr/>
-                        <a:lstStyle/>
-                        <a:p>
-                          <a:pPr algn="ctr"/>
-                          <a:endParaRPr lang="en-US" sz="2400" dirty="0"/>
-                        </a:p>
-                      </a:txBody>
-                      <a:tcPr/>
-                    </a:tc>
-                    <a:tc>
-                      <a:txBody>
-                        <a:bodyPr/>
-                        <a:lstStyle/>
-                        <a:p>
-                          <a:pPr algn="ctr"/>
-                          <a:endParaRPr lang="en-US" sz="2400" dirty="0"/>
-                        </a:p>
-                      </a:txBody>
-                      <a:tcPr/>
-                    </a:tc>
-                  </a:tr>
-                  <a:tr h="370840">
-                    <a:tc>
-                      <a:txBody>
-                        <a:bodyPr/>
-                        <a:lstStyle/>
-                        <a:p>
-                          <a:r>
-                            <a:rPr lang="en-US" sz="2400" dirty="0" smtClean="0"/>
-                            <a:t>Multi Layer Perceptron</a:t>
-                          </a:r>
-                          <a:endParaRPr lang="en-US" sz="2400" dirty="0"/>
-                        </a:p>
-                      </a:txBody>
-                      <a:tcPr/>
-                    </a:tc>
-                    <a:tc>
-                      <a:txBody>
-                        <a:bodyPr/>
-                        <a:lstStyle/>
-                        <a:p>
-                          <a:pPr algn="ctr"/>
-                          <a:endParaRPr lang="en-US" sz="2400" dirty="0"/>
-                        </a:p>
-                      </a:txBody>
-                      <a:tcPr/>
-                    </a:tc>
-                    <a:tc>
-                      <a:txBody>
-                        <a:bodyPr/>
-                        <a:lstStyle/>
-                        <a:p>
-                          <a:pPr algn="ctr"/>
-                          <a:endParaRPr lang="en-US" sz="2400" dirty="0"/>
-                        </a:p>
-                      </a:txBody>
-                      <a:tcPr/>
-                    </a:tc>
-                    <a:tc>
-                      <a:txBody>
-                        <a:bodyPr/>
-                        <a:lstStyle/>
-                        <a:p>
-                          <a:pPr algn="ctr"/>
-                          <a:endParaRPr lang="en-US" sz="2400" dirty="0"/>
-                        </a:p>
-                      </a:txBody>
-                      <a:tcPr/>
-                    </a:tc>
-                  </a:tr>
-                </a:tbl>
-              </a:graphicData>
-            </a:graphic>
-          </p:graphicFrame>
-        </mc:Choice>
-        <mc:Fallback>
-          <p:graphicFrame>
-            <p:nvGraphicFramePr>
-              <p:cNvPr id="6" name="Table 5"/>
-              <p:cNvGraphicFramePr>
-                <a:graphicFrameLocks noGrp="1"/>
-              </p:cNvGraphicFramePr>
-              <p:nvPr>
-                <p:extLst>
-                  <p:ext uri="{D42A27DB-BD31-4B8C-83A1-F6EECF244321}">
-                    <p14:modId xmlns:p14="http://schemas.microsoft.com/office/powerpoint/2010/main" val="1994544055"/>
-                  </p:ext>
-                </p:extLst>
-              </p:nvPr>
-            </p:nvGraphicFramePr>
-            <p:xfrm>
-              <a:off x="1117600" y="2460784"/>
-              <a:ext cx="10228150" cy="3108960"/>
-            </p:xfrm>
-            <a:graphic>
-              <a:graphicData uri="http://schemas.openxmlformats.org/drawingml/2006/table">
-                <a:tbl>
-                  <a:tblPr firstRow="1" bandRow="1">
-                    <a:tableStyleId>{5C22544A-7EE6-4342-B048-85BDC9FD1C3A}</a:tableStyleId>
-                  </a:tblPr>
-                  <a:tblGrid>
-                    <a:gridCol w="3426691"/>
-                    <a:gridCol w="2286000"/>
-                    <a:gridCol w="2258291"/>
-                    <a:gridCol w="2257168"/>
-                  </a:tblGrid>
-                  <a:tr h="822960">
-                    <a:tc>
-                      <a:txBody>
-                        <a:bodyPr/>
-                        <a:lstStyle/>
-                        <a:p>
-                          <a:pPr algn="ctr"/>
-                          <a:r>
-                            <a:rPr lang="en-US" sz="2400" dirty="0" smtClean="0"/>
-                            <a:t>Models</a:t>
-                          </a:r>
-                          <a:endParaRPr lang="en-US" sz="2400" dirty="0"/>
-                        </a:p>
-                      </a:txBody>
-                      <a:tcPr/>
-                    </a:tc>
-                    <a:tc>
-                      <a:txBody>
-                        <a:bodyPr/>
-                        <a:lstStyle/>
-                        <a:p>
-                          <a:pPr algn="ctr"/>
-                          <a:r>
-                            <a:rPr lang="en-US" sz="2400" dirty="0" smtClean="0"/>
-                            <a:t>Accurac</a:t>
-                          </a:r>
-                          <a:r>
-                            <a:rPr lang="en-US" sz="2400" baseline="0" dirty="0" smtClean="0"/>
-                            <a:t>y Mean</a:t>
-                          </a:r>
-                        </a:p>
-                        <a:p>
-                          <a:pPr algn="ctr"/>
-                          <a:r>
-                            <a:rPr lang="en-US" sz="2400" baseline="0" dirty="0" smtClean="0"/>
-                            <a:t>(SP + SW)</a:t>
-                          </a:r>
-                          <a:endParaRPr lang="en-US" sz="2400" dirty="0"/>
-                        </a:p>
-                      </a:txBody>
-                      <a:tcPr/>
-                    </a:tc>
-                    <a:tc>
-                      <a:txBody>
-                        <a:bodyPr/>
-                        <a:lstStyle/>
-                        <a:p>
-                          <a:pPr algn="ctr"/>
-                          <a:r>
-                            <a:rPr lang="en-US" sz="2400" dirty="0" smtClean="0"/>
-                            <a:t>Accuracy Mean</a:t>
-                          </a:r>
-                        </a:p>
-                        <a:p>
-                          <a:pPr algn="ctr"/>
-                          <a:r>
-                            <a:rPr lang="en-US" sz="2400" dirty="0" smtClean="0"/>
-                            <a:t>(SP)</a:t>
-                          </a:r>
-                          <a:endParaRPr lang="en-US" sz="2400" dirty="0"/>
-                        </a:p>
-                      </a:txBody>
-                      <a:tcPr/>
-                    </a:tc>
-                    <a:tc>
-                      <a:txBody>
-                        <a:bodyPr/>
-                        <a:lstStyle/>
-                        <a:p>
-                          <a:pPr algn="ctr"/>
-                          <a:r>
-                            <a:rPr lang="en-US" sz="2400" dirty="0" smtClean="0"/>
-                            <a:t>Accuracy Mean</a:t>
-                          </a:r>
-                        </a:p>
-                        <a:p>
-                          <a:pPr algn="ctr"/>
-                          <a:r>
-                            <a:rPr lang="en-US" sz="2400" dirty="0" smtClean="0"/>
-                            <a:t>(SW)</a:t>
-                          </a:r>
-                          <a:endParaRPr lang="en-US" sz="2400" dirty="0"/>
-                        </a:p>
-                      </a:txBody>
-                      <a:tcPr/>
-                    </a:tc>
-                  </a:tr>
-                  <a:tr h="457200">
-                    <a:tc>
-                      <a:txBody>
-                        <a:bodyPr/>
-                        <a:lstStyle/>
-                        <a:p>
-                          <a:r>
-                            <a:rPr lang="en-US" sz="2400" dirty="0" smtClean="0"/>
-                            <a:t>Random Forest (n = 50)</a:t>
-                          </a:r>
-                          <a:endParaRPr lang="en-US" sz="2400" dirty="0"/>
-                        </a:p>
-                      </a:txBody>
-                      <a:tcPr/>
-                    </a:tc>
-                    <a:tc>
-                      <a:txBody>
-                        <a:bodyPr/>
-                        <a:lstStyle/>
-                        <a:p>
-                          <a:endParaRPr lang="en-US"/>
-                        </a:p>
-                      </a:txBody>
-                      <a:tcPr>
-                        <a:blipFill rotWithShape="0">
-                          <a:blip r:embed="rId2"/>
-                          <a:stretch>
-                            <a:fillRect l="-150400" t="-189333" r="-198667" b="-432000"/>
-                          </a:stretch>
-                        </a:blipFill>
-                      </a:tcPr>
-                    </a:tc>
-                    <a:tc>
-                      <a:txBody>
-                        <a:bodyPr/>
-                        <a:lstStyle/>
-                        <a:p>
-                          <a:endParaRPr lang="en-US"/>
-                        </a:p>
-                      </a:txBody>
-                      <a:tcPr>
-                        <a:blipFill rotWithShape="0">
-                          <a:blip r:embed="rId2"/>
-                          <a:stretch>
-                            <a:fillRect l="-253784" t="-189333" r="-101351" b="-432000"/>
-                          </a:stretch>
-                        </a:blipFill>
-                      </a:tcPr>
-                    </a:tc>
-                    <a:tc>
-                      <a:txBody>
-                        <a:bodyPr/>
-                        <a:lstStyle/>
-                        <a:p>
-                          <a:endParaRPr lang="en-US"/>
-                        </a:p>
-                      </a:txBody>
-                      <a:tcPr>
-                        <a:blipFill rotWithShape="0">
-                          <a:blip r:embed="rId2"/>
-                          <a:stretch>
-                            <a:fillRect l="-352830" t="-189333" r="-1078" b="-432000"/>
-                          </a:stretch>
-                        </a:blipFill>
-                      </a:tcPr>
-                    </a:tc>
-                  </a:tr>
-                  <a:tr h="457200">
-                    <a:tc>
-                      <a:txBody>
-                        <a:bodyPr/>
-                        <a:lstStyle/>
-                        <a:p>
-                          <a:r>
-                            <a:rPr lang="en-US" sz="2400" dirty="0" smtClean="0"/>
-                            <a:t>SVM (C</a:t>
-                          </a:r>
-                          <a:r>
-                            <a:rPr lang="en-US" sz="2400" baseline="0" dirty="0" smtClean="0"/>
-                            <a:t> = 100)</a:t>
-                          </a:r>
-                          <a:endParaRPr lang="en-US" sz="2400" dirty="0"/>
-                        </a:p>
-                      </a:txBody>
-                      <a:tcPr/>
-                    </a:tc>
-                    <a:tc>
-                      <a:txBody>
-                        <a:bodyPr/>
-                        <a:lstStyle/>
-                        <a:p>
-                          <a:endParaRPr lang="en-US"/>
-                        </a:p>
-                      </a:txBody>
-                      <a:tcPr>
-                        <a:blipFill rotWithShape="0">
-                          <a:blip r:embed="rId2"/>
-                          <a:stretch>
-                            <a:fillRect l="-150400" t="-285526" r="-198667" b="-326316"/>
-                          </a:stretch>
-                        </a:blipFill>
-                      </a:tcPr>
-                    </a:tc>
-                    <a:tc>
-                      <a:txBody>
-                        <a:bodyPr/>
-                        <a:lstStyle/>
-                        <a:p>
-                          <a:endParaRPr lang="en-US"/>
-                        </a:p>
-                      </a:txBody>
-                      <a:tcPr>
-                        <a:blipFill rotWithShape="0">
-                          <a:blip r:embed="rId2"/>
-                          <a:stretch>
-                            <a:fillRect l="-253784" t="-285526" r="-101351" b="-326316"/>
-                          </a:stretch>
-                        </a:blipFill>
-                      </a:tcPr>
-                    </a:tc>
-                    <a:tc>
-                      <a:txBody>
-                        <a:bodyPr/>
-                        <a:lstStyle/>
-                        <a:p>
-                          <a:endParaRPr lang="en-US"/>
-                        </a:p>
-                      </a:txBody>
-                      <a:tcPr>
-                        <a:blipFill rotWithShape="0">
-                          <a:blip r:embed="rId2"/>
-                          <a:stretch>
-                            <a:fillRect l="-352830" t="-285526" r="-1078" b="-326316"/>
-                          </a:stretch>
-                        </a:blipFill>
-                      </a:tcPr>
-                    </a:tc>
-                  </a:tr>
-                  <a:tr h="457200">
-                    <a:tc>
-                      <a:txBody>
-                        <a:bodyPr/>
-                        <a:lstStyle/>
-                        <a:p>
-                          <a:r>
-                            <a:rPr lang="en-US" sz="2400" dirty="0" smtClean="0"/>
-                            <a:t>Gaussian Naive</a:t>
-                          </a:r>
-                          <a:r>
-                            <a:rPr lang="en-US" sz="2400" baseline="0" dirty="0" smtClean="0"/>
-                            <a:t> Bayes</a:t>
-                          </a:r>
-                          <a:endParaRPr lang="en-US" sz="2400" dirty="0"/>
-                        </a:p>
-                      </a:txBody>
-                      <a:tcPr/>
-                    </a:tc>
-                    <a:tc>
-                      <a:txBody>
-                        <a:bodyPr/>
-                        <a:lstStyle/>
-                        <a:p>
-                          <a:pPr algn="ctr"/>
-                          <a:endParaRPr lang="en-US" sz="2400" dirty="0"/>
-                        </a:p>
-                      </a:txBody>
-                      <a:tcPr/>
-                    </a:tc>
-                    <a:tc>
-                      <a:txBody>
-                        <a:bodyPr/>
-                        <a:lstStyle/>
-                        <a:p>
-                          <a:pPr algn="ctr"/>
-                          <a:endParaRPr lang="en-US" sz="2400" dirty="0"/>
-                        </a:p>
-                      </a:txBody>
-                      <a:tcPr/>
-                    </a:tc>
-                    <a:tc>
-                      <a:txBody>
-                        <a:bodyPr/>
-                        <a:lstStyle/>
-                        <a:p>
-                          <a:pPr algn="ctr"/>
-                          <a:endParaRPr lang="en-US" sz="2400" dirty="0"/>
-                        </a:p>
-                      </a:txBody>
-                      <a:tcPr/>
-                    </a:tc>
-                  </a:tr>
-                  <a:tr h="457200">
-                    <a:tc>
-                      <a:txBody>
-                        <a:bodyPr/>
-                        <a:lstStyle/>
-                        <a:p>
-                          <a:r>
-                            <a:rPr lang="en-US" sz="2400" dirty="0" smtClean="0"/>
-                            <a:t>Multinomial</a:t>
-                          </a:r>
-                          <a:r>
-                            <a:rPr lang="en-US" sz="2400" baseline="0" dirty="0" smtClean="0"/>
-                            <a:t> Naive Bayes</a:t>
-                          </a:r>
-                          <a:endParaRPr lang="en-US" sz="2400" dirty="0"/>
-                        </a:p>
-                      </a:txBody>
-                      <a:tcPr/>
-                    </a:tc>
-                    <a:tc>
-                      <a:txBody>
-                        <a:bodyPr/>
-                        <a:lstStyle/>
-                        <a:p>
-                          <a:pPr algn="ctr"/>
-                          <a:endParaRPr lang="en-US" sz="2400" dirty="0"/>
-                        </a:p>
-                      </a:txBody>
-                      <a:tcPr/>
-                    </a:tc>
-                    <a:tc>
-                      <a:txBody>
-                        <a:bodyPr/>
-                        <a:lstStyle/>
-                        <a:p>
-                          <a:pPr algn="ctr"/>
-                          <a:endParaRPr lang="en-US" sz="2400" dirty="0"/>
-                        </a:p>
-                      </a:txBody>
-                      <a:tcPr/>
-                    </a:tc>
-                    <a:tc>
-                      <a:txBody>
-                        <a:bodyPr/>
-                        <a:lstStyle/>
-                        <a:p>
-                          <a:pPr algn="ctr"/>
-                          <a:endParaRPr lang="en-US" sz="2400" dirty="0"/>
-                        </a:p>
-                      </a:txBody>
-                      <a:tcPr/>
-                    </a:tc>
-                  </a:tr>
-                  <a:tr h="457200">
-                    <a:tc>
-                      <a:txBody>
-                        <a:bodyPr/>
-                        <a:lstStyle/>
-                        <a:p>
-                          <a:r>
-                            <a:rPr lang="en-US" sz="2400" dirty="0" smtClean="0"/>
-                            <a:t>Multi Layer Perceptron</a:t>
-                          </a:r>
-                          <a:endParaRPr lang="en-US" sz="2400" dirty="0"/>
-                        </a:p>
-                      </a:txBody>
-                      <a:tcPr/>
-                    </a:tc>
-                    <a:tc>
-                      <a:txBody>
-                        <a:bodyPr/>
-                        <a:lstStyle/>
-                        <a:p>
-                          <a:pPr algn="ctr"/>
-                          <a:endParaRPr lang="en-US" sz="2400" dirty="0"/>
-                        </a:p>
-                      </a:txBody>
-                      <a:tcPr/>
-                    </a:tc>
-                    <a:tc>
-                      <a:txBody>
-                        <a:bodyPr/>
-                        <a:lstStyle/>
-                        <a:p>
-                          <a:pPr algn="ctr"/>
-                          <a:endParaRPr lang="en-US" sz="2400" dirty="0"/>
-                        </a:p>
-                      </a:txBody>
-                      <a:tcPr/>
-                    </a:tc>
-                    <a:tc>
-                      <a:txBody>
-                        <a:bodyPr/>
-                        <a:lstStyle/>
-                        <a:p>
-                          <a:pPr algn="ctr"/>
-                          <a:endParaRPr lang="en-US" sz="2400" dirty="0"/>
-                        </a:p>
-                      </a:txBody>
-                      <a:tcPr/>
-                    </a:tc>
-                  </a:tr>
-                </a:tbl>
-              </a:graphicData>
-            </a:graphic>
-          </p:graphicFrame>
-        </mc:Fallback>
-      </mc:AlternateContent>
+              <a:t>hand-activities</a:t>
+            </a:r>
+            <a:endParaRPr lang="en-US" b="1" dirty="0" smtClean="0"/>
+          </a:p>
+          <a:p>
+            <a:r>
+              <a:rPr lang="en-US" b="1" dirty="0" smtClean="0"/>
+              <a:t>Using only accelerometer data may be sufficient to get high accuracy</a:t>
+            </a:r>
+          </a:p>
+          <a:p>
+            <a:pPr lvl="1"/>
+            <a:r>
+              <a:rPr lang="en-US" dirty="0" smtClean="0"/>
+              <a:t>Need to verify by doing LOO CV</a:t>
+            </a:r>
+          </a:p>
+          <a:p>
+            <a:r>
+              <a:rPr lang="en-US" b="1" dirty="0" smtClean="0"/>
+              <a:t>Bigger window size increases the accuracy</a:t>
+            </a:r>
+          </a:p>
+          <a:p>
+            <a:pPr lvl="1"/>
+            <a:r>
+              <a:rPr lang="en-US" dirty="0" smtClean="0"/>
+              <a:t>More context is captured by the features and hence the model</a:t>
+            </a:r>
+          </a:p>
+        </p:txBody>
+      </p:sp>
     </p:spTree>
     <p:extLst>
       <p:ext uri="{BB962C8B-B14F-4D97-AF65-F5344CB8AC3E}">
-        <p14:creationId xmlns:p14="http://schemas.microsoft.com/office/powerpoint/2010/main" val="677773202"/>
+        <p14:creationId xmlns:p14="http://schemas.microsoft.com/office/powerpoint/2010/main" val="1154084710"/>
       </p:ext>
     </p:extLst>
   </p:cSld>
   <p:clrMapOvr>
     <a:masterClrMapping/>
   </p:clrMapOvr>
+  <p:timing>
+    <p:tnLst>
+      <p:par>
+        <p:cTn id="1" dur="indefinite" restart="never" nodeType="tmRoot"/>
+      </p:par>
+    </p:tnLst>
+  </p:timing>
 </p:sld>
 </file>
 
@@ -5435,6 +4908,1275 @@
       </p:grpSpPr>
       <p:sp>
         <p:nvSpPr>
+          <p:cNvPr id="2" name="Title 1"/>
+          <p:cNvSpPr>
+            <a:spLocks noGrp="1"/>
+          </p:cNvSpPr>
+          <p:nvPr>
+            <p:ph type="title"/>
+          </p:nvPr>
+        </p:nvSpPr>
+        <p:spPr/>
+        <p:txBody>
+          <a:bodyPr/>
+          <a:lstStyle/>
+          <a:p>
+            <a:r>
+              <a:rPr lang="en-US" b="1" dirty="0" smtClean="0"/>
+              <a:t>Model Performance Comparison</a:t>
+            </a:r>
+            <a:endParaRPr lang="en-US" b="1" dirty="0"/>
+          </a:p>
+        </p:txBody>
+      </p:sp>
+      <p:sp>
+        <p:nvSpPr>
+          <p:cNvPr id="3" name="Content Placeholder 2"/>
+          <p:cNvSpPr>
+            <a:spLocks noGrp="1"/>
+          </p:cNvSpPr>
+          <p:nvPr>
+            <p:ph idx="1"/>
+          </p:nvPr>
+        </p:nvSpPr>
+        <p:spPr/>
+        <p:txBody>
+          <a:bodyPr/>
+          <a:lstStyle/>
+          <a:p>
+            <a:r>
+              <a:rPr lang="en-US" dirty="0" smtClean="0"/>
+              <a:t>15 activities, Sampling @ 10 Hz, Window size = 2s</a:t>
+            </a:r>
+          </a:p>
+        </p:txBody>
+      </p:sp>
+      <mc:AlternateContent xmlns:mc="http://schemas.openxmlformats.org/markup-compatibility/2006" xmlns:a14="http://schemas.microsoft.com/office/drawing/2010/main">
+        <mc:Choice Requires="a14">
+          <p:graphicFrame>
+            <p:nvGraphicFramePr>
+              <p:cNvPr id="6" name="Table 5"/>
+              <p:cNvGraphicFramePr>
+                <a:graphicFrameLocks noGrp="1"/>
+              </p:cNvGraphicFramePr>
+              <p:nvPr>
+                <p:extLst>
+                  <p:ext uri="{D42A27DB-BD31-4B8C-83A1-F6EECF244321}">
+                    <p14:modId xmlns:p14="http://schemas.microsoft.com/office/powerpoint/2010/main" val="267936633"/>
+                  </p:ext>
+                </p:extLst>
+              </p:nvPr>
+            </p:nvGraphicFramePr>
+            <p:xfrm>
+              <a:off x="1117599" y="2460784"/>
+              <a:ext cx="10603345" cy="3108960"/>
+            </p:xfrm>
+            <a:graphic>
+              <a:graphicData uri="http://schemas.openxmlformats.org/drawingml/2006/table">
+                <a:tbl>
+                  <a:tblPr firstRow="1" bandRow="1">
+                    <a:tableStyleId>{5C22544A-7EE6-4342-B048-85BDC9FD1C3A}</a:tableStyleId>
+                  </a:tblPr>
+                  <a:tblGrid>
+                    <a:gridCol w="3552391"/>
+                    <a:gridCol w="2369856"/>
+                    <a:gridCol w="2341131"/>
+                    <a:gridCol w="2339967"/>
+                  </a:tblGrid>
+                  <a:tr h="370840">
+                    <a:tc>
+                      <a:txBody>
+                        <a:bodyPr/>
+                        <a:lstStyle/>
+                        <a:p>
+                          <a:pPr algn="ctr"/>
+                          <a:r>
+                            <a:rPr lang="en-US" sz="2400" dirty="0" smtClean="0"/>
+                            <a:t>Models</a:t>
+                          </a:r>
+                          <a:endParaRPr lang="en-US" sz="2400" dirty="0"/>
+                        </a:p>
+                      </a:txBody>
+                      <a:tcPr/>
+                    </a:tc>
+                    <a:tc>
+                      <a:txBody>
+                        <a:bodyPr/>
+                        <a:lstStyle/>
+                        <a:p>
+                          <a:pPr algn="ctr"/>
+                          <a:r>
+                            <a:rPr lang="en-US" sz="2400" dirty="0" smtClean="0"/>
+                            <a:t>Accurac</a:t>
+                          </a:r>
+                          <a:r>
+                            <a:rPr lang="en-US" sz="2400" baseline="0" dirty="0" smtClean="0"/>
+                            <a:t>y Mean</a:t>
+                          </a:r>
+                        </a:p>
+                        <a:p>
+                          <a:pPr algn="ctr"/>
+                          <a:r>
+                            <a:rPr lang="en-US" sz="2400" baseline="0" dirty="0" smtClean="0"/>
+                            <a:t>(SP + SW)</a:t>
+                          </a:r>
+                          <a:endParaRPr lang="en-US" sz="2400" dirty="0"/>
+                        </a:p>
+                      </a:txBody>
+                      <a:tcPr/>
+                    </a:tc>
+                    <a:tc>
+                      <a:txBody>
+                        <a:bodyPr/>
+                        <a:lstStyle/>
+                        <a:p>
+                          <a:pPr algn="ctr"/>
+                          <a:r>
+                            <a:rPr lang="en-US" sz="2400" dirty="0" smtClean="0"/>
+                            <a:t>Accuracy Mean</a:t>
+                          </a:r>
+                        </a:p>
+                        <a:p>
+                          <a:pPr algn="ctr"/>
+                          <a:r>
+                            <a:rPr lang="en-US" sz="2400" dirty="0" smtClean="0"/>
+                            <a:t>(SP)</a:t>
+                          </a:r>
+                          <a:endParaRPr lang="en-US" sz="2400" dirty="0"/>
+                        </a:p>
+                      </a:txBody>
+                      <a:tcPr/>
+                    </a:tc>
+                    <a:tc>
+                      <a:txBody>
+                        <a:bodyPr/>
+                        <a:lstStyle/>
+                        <a:p>
+                          <a:pPr algn="ctr"/>
+                          <a:r>
+                            <a:rPr lang="en-US" sz="2400" dirty="0" smtClean="0"/>
+                            <a:t>Accuracy Mean</a:t>
+                          </a:r>
+                        </a:p>
+                        <a:p>
+                          <a:pPr algn="ctr"/>
+                          <a:r>
+                            <a:rPr lang="en-US" sz="2400" dirty="0" smtClean="0"/>
+                            <a:t>(SW)</a:t>
+                          </a:r>
+                          <a:endParaRPr lang="en-US" sz="2400" dirty="0"/>
+                        </a:p>
+                      </a:txBody>
+                      <a:tcPr/>
+                    </a:tc>
+                  </a:tr>
+                  <a:tr h="370840">
+                    <a:tc>
+                      <a:txBody>
+                        <a:bodyPr/>
+                        <a:lstStyle/>
+                        <a:p>
+                          <a:r>
+                            <a:rPr lang="en-US" sz="2400" dirty="0" smtClean="0"/>
+                            <a:t>Random Forest (n = 300)</a:t>
+                          </a:r>
+                          <a:endParaRPr lang="en-US" sz="2400" dirty="0"/>
+                        </a:p>
+                      </a:txBody>
+                      <a:tcPr/>
+                    </a:tc>
+                    <a:tc>
+                      <a:txBody>
+                        <a:bodyPr/>
+                        <a:lstStyle/>
+                        <a:p>
+                          <a:pPr algn="ctr"/>
+                          <a:r>
+                            <a:rPr lang="en-US" sz="2400" dirty="0" smtClean="0"/>
+                            <a:t>98.09% </a:t>
+                          </a:r>
+                          <a14:m>
+                            <m:oMath xmlns:m="http://schemas.openxmlformats.org/officeDocument/2006/math">
+                              <m:r>
+                                <a:rPr lang="en-US" sz="2400" i="1" smtClean="0">
+                                  <a:latin typeface="Cambria Math" charset="0"/>
+                                  <a:ea typeface="Cambria Math" charset="0"/>
+                                  <a:cs typeface="Cambria Math" charset="0"/>
+                                </a:rPr>
+                                <m:t>±</m:t>
+                              </m:r>
+                            </m:oMath>
+                          </a14:m>
+                          <a:r>
+                            <a:rPr lang="en-US" sz="2400" dirty="0" smtClean="0"/>
+                            <a:t> 0.52%  </a:t>
+                          </a:r>
+                          <a:endParaRPr lang="en-US" sz="2400" dirty="0"/>
+                        </a:p>
+                      </a:txBody>
+                      <a:tcPr/>
+                    </a:tc>
+                    <a:tc>
+                      <a:txBody>
+                        <a:bodyPr/>
+                        <a:lstStyle/>
+                        <a:p>
+                          <a:pPr algn="ctr"/>
+                          <a:r>
+                            <a:rPr lang="en-US" sz="2400" dirty="0" smtClean="0"/>
+                            <a:t>93.20% </a:t>
+                          </a:r>
+                          <a14:m>
+                            <m:oMath xmlns:m="http://schemas.openxmlformats.org/officeDocument/2006/math">
+                              <m:r>
+                                <a:rPr lang="en-US" sz="2400" i="1" smtClean="0">
+                                  <a:latin typeface="Cambria Math" charset="0"/>
+                                  <a:ea typeface="Cambria Math" charset="0"/>
+                                  <a:cs typeface="Cambria Math" charset="0"/>
+                                </a:rPr>
+                                <m:t>±</m:t>
+                              </m:r>
+                            </m:oMath>
+                          </a14:m>
+                          <a:r>
+                            <a:rPr lang="en-US" sz="2400" dirty="0" smtClean="0"/>
+                            <a:t> 0.88%</a:t>
+                          </a:r>
+                          <a:endParaRPr lang="en-US" sz="2400" dirty="0"/>
+                        </a:p>
+                      </a:txBody>
+                      <a:tcPr/>
+                    </a:tc>
+                    <a:tc>
+                      <a:txBody>
+                        <a:bodyPr/>
+                        <a:lstStyle/>
+                        <a:p>
+                          <a:pPr algn="ctr"/>
+                          <a:r>
+                            <a:rPr lang="en-US" sz="2400" dirty="0" smtClean="0"/>
+                            <a:t>94.70% </a:t>
+                          </a:r>
+                          <a14:m>
+                            <m:oMath xmlns:m="http://schemas.openxmlformats.org/officeDocument/2006/math">
+                              <m:r>
+                                <a:rPr lang="en-US" sz="2400" i="1" smtClean="0">
+                                  <a:latin typeface="Cambria Math" charset="0"/>
+                                  <a:ea typeface="Cambria Math" charset="0"/>
+                                  <a:cs typeface="Cambria Math" charset="0"/>
+                                </a:rPr>
+                                <m:t>±</m:t>
+                              </m:r>
+                            </m:oMath>
+                          </a14:m>
+                          <a:r>
+                            <a:rPr lang="en-US" sz="2400" dirty="0" smtClean="0"/>
+                            <a:t> 0.37%</a:t>
+                          </a:r>
+                          <a:endParaRPr lang="en-US" sz="2400" dirty="0"/>
+                        </a:p>
+                      </a:txBody>
+                      <a:tcPr/>
+                    </a:tc>
+                  </a:tr>
+                  <a:tr h="370840">
+                    <a:tc>
+                      <a:txBody>
+                        <a:bodyPr/>
+                        <a:lstStyle/>
+                        <a:p>
+                          <a:r>
+                            <a:rPr lang="en-US" sz="2400" dirty="0" smtClean="0"/>
+                            <a:t>SVM (C</a:t>
+                          </a:r>
+                          <a:r>
+                            <a:rPr lang="en-US" sz="2400" baseline="0" dirty="0" smtClean="0"/>
+                            <a:t> = 550, 1200, 1150)</a:t>
+                          </a:r>
+                          <a:endParaRPr lang="en-US" sz="2400" dirty="0"/>
+                        </a:p>
+                      </a:txBody>
+                      <a:tcPr/>
+                    </a:tc>
+                    <a:tc>
+                      <a:txBody>
+                        <a:bodyPr/>
+                        <a:lstStyle/>
+                        <a:p>
+                          <a:pPr algn="ctr"/>
+                          <a:r>
+                            <a:rPr lang="en-US" sz="2400" dirty="0" smtClean="0"/>
+                            <a:t>98.15% </a:t>
+                          </a:r>
+                          <a14:m>
+                            <m:oMath xmlns:m="http://schemas.openxmlformats.org/officeDocument/2006/math">
+                              <m:r>
+                                <a:rPr lang="en-US" sz="2400" i="1" smtClean="0">
+                                  <a:latin typeface="Cambria Math" charset="0"/>
+                                  <a:ea typeface="Cambria Math" charset="0"/>
+                                  <a:cs typeface="Cambria Math" charset="0"/>
+                                </a:rPr>
+                                <m:t>±</m:t>
+                              </m:r>
+                            </m:oMath>
+                          </a14:m>
+                          <a:r>
+                            <a:rPr lang="en-US" sz="2400" dirty="0" smtClean="0"/>
+                            <a:t> 0.34%</a:t>
+                          </a:r>
+                          <a:endParaRPr lang="en-US" sz="2400" dirty="0"/>
+                        </a:p>
+                      </a:txBody>
+                      <a:tcPr/>
+                    </a:tc>
+                    <a:tc>
+                      <a:txBody>
+                        <a:bodyPr/>
+                        <a:lstStyle/>
+                        <a:p>
+                          <a:pPr algn="ctr"/>
+                          <a:r>
+                            <a:rPr lang="en-US" sz="2400" dirty="0" smtClean="0"/>
+                            <a:t>89.91% </a:t>
+                          </a:r>
+                          <a14:m>
+                            <m:oMath xmlns:m="http://schemas.openxmlformats.org/officeDocument/2006/math">
+                              <m:r>
+                                <a:rPr lang="en-US" sz="2400" i="1" smtClean="0">
+                                  <a:latin typeface="Cambria Math" charset="0"/>
+                                  <a:ea typeface="Cambria Math" charset="0"/>
+                                  <a:cs typeface="Cambria Math" charset="0"/>
+                                </a:rPr>
+                                <m:t>±</m:t>
+                              </m:r>
+                            </m:oMath>
+                          </a14:m>
+                          <a:r>
+                            <a:rPr lang="en-US" sz="2400" dirty="0" smtClean="0"/>
+                            <a:t> 0.75%</a:t>
+                          </a:r>
+                          <a:endParaRPr lang="en-US" sz="2400" dirty="0"/>
+                        </a:p>
+                      </a:txBody>
+                      <a:tcPr/>
+                    </a:tc>
+                    <a:tc>
+                      <a:txBody>
+                        <a:bodyPr/>
+                        <a:lstStyle/>
+                        <a:p>
+                          <a:pPr algn="ctr"/>
+                          <a:r>
+                            <a:rPr lang="en-US" sz="2400" dirty="0" smtClean="0"/>
+                            <a:t>91.97% </a:t>
+                          </a:r>
+                          <a14:m>
+                            <m:oMath xmlns:m="http://schemas.openxmlformats.org/officeDocument/2006/math">
+                              <m:r>
+                                <a:rPr lang="en-US" sz="2400" i="1" smtClean="0">
+                                  <a:latin typeface="Cambria Math" charset="0"/>
+                                  <a:ea typeface="Cambria Math" charset="0"/>
+                                  <a:cs typeface="Cambria Math" charset="0"/>
+                                </a:rPr>
+                                <m:t>±</m:t>
+                              </m:r>
+                            </m:oMath>
+                          </a14:m>
+                          <a:r>
+                            <a:rPr lang="en-US" sz="2400" dirty="0" smtClean="0"/>
+                            <a:t> 0.47%</a:t>
+                          </a:r>
+                          <a:endParaRPr lang="en-US" sz="2400" dirty="0"/>
+                        </a:p>
+                      </a:txBody>
+                      <a:tcPr/>
+                    </a:tc>
+                  </a:tr>
+                  <a:tr h="370840">
+                    <a:tc>
+                      <a:txBody>
+                        <a:bodyPr/>
+                        <a:lstStyle/>
+                        <a:p>
+                          <a:r>
+                            <a:rPr lang="en-US" sz="2400" dirty="0" smtClean="0"/>
+                            <a:t>Gaussian Naive</a:t>
+                          </a:r>
+                          <a:r>
+                            <a:rPr lang="en-US" sz="2400" baseline="0" dirty="0" smtClean="0"/>
+                            <a:t> Bayes</a:t>
+                          </a:r>
+                          <a:endParaRPr lang="en-US" sz="2400" dirty="0"/>
+                        </a:p>
+                      </a:txBody>
+                      <a:tcPr/>
+                    </a:tc>
+                    <a:tc>
+                      <a:txBody>
+                        <a:bodyPr/>
+                        <a:lstStyle/>
+                        <a:p>
+                          <a:pPr algn="ctr"/>
+                          <a:r>
+                            <a:rPr lang="en-US" sz="2400" dirty="0" smtClean="0"/>
+                            <a:t>92.96%</a:t>
+                          </a:r>
+                          <a:r>
+                            <a:rPr lang="en-US" sz="2400" baseline="0" dirty="0" smtClean="0"/>
+                            <a:t> </a:t>
+                          </a:r>
+                          <a14:m>
+                            <m:oMath xmlns:m="http://schemas.openxmlformats.org/officeDocument/2006/math">
+                              <m:r>
+                                <a:rPr lang="en-US" sz="2400" i="1" smtClean="0">
+                                  <a:latin typeface="Cambria Math" charset="0"/>
+                                  <a:ea typeface="Cambria Math" charset="0"/>
+                                  <a:cs typeface="Cambria Math" charset="0"/>
+                                </a:rPr>
+                                <m:t>±</m:t>
+                              </m:r>
+                            </m:oMath>
+                          </a14:m>
+                          <a:r>
+                            <a:rPr lang="en-US" sz="2400" dirty="0" smtClean="0"/>
+                            <a:t> 0.40%</a:t>
+                          </a:r>
+                          <a:endParaRPr lang="en-US" sz="2400" dirty="0"/>
+                        </a:p>
+                      </a:txBody>
+                      <a:tcPr/>
+                    </a:tc>
+                    <a:tc>
+                      <a:txBody>
+                        <a:bodyPr/>
+                        <a:lstStyle/>
+                        <a:p>
+                          <a:pPr algn="ctr"/>
+                          <a:r>
+                            <a:rPr lang="en-US" sz="2400" dirty="0" smtClean="0"/>
+                            <a:t>78.46%</a:t>
+                          </a:r>
+                          <a:r>
+                            <a:rPr lang="en-US" sz="2400" baseline="0" dirty="0" smtClean="0"/>
+                            <a:t> </a:t>
+                          </a:r>
+                          <a14:m>
+                            <m:oMath xmlns:m="http://schemas.openxmlformats.org/officeDocument/2006/math">
+                              <m:r>
+                                <a:rPr lang="en-US" sz="2400" i="1" smtClean="0">
+                                  <a:latin typeface="Cambria Math" charset="0"/>
+                                  <a:ea typeface="Cambria Math" charset="0"/>
+                                  <a:cs typeface="Cambria Math" charset="0"/>
+                                </a:rPr>
+                                <m:t>±</m:t>
+                              </m:r>
+                            </m:oMath>
+                          </a14:m>
+                          <a:r>
+                            <a:rPr lang="en-US" sz="2400" dirty="0" smtClean="0"/>
+                            <a:t> 0.56%</a:t>
+                          </a:r>
+                          <a:endParaRPr lang="en-US" sz="2400" dirty="0"/>
+                        </a:p>
+                      </a:txBody>
+                      <a:tcPr/>
+                    </a:tc>
+                    <a:tc>
+                      <a:txBody>
+                        <a:bodyPr/>
+                        <a:lstStyle/>
+                        <a:p>
+                          <a:pPr algn="ctr"/>
+                          <a:r>
+                            <a:rPr lang="en-US" sz="2400" dirty="0" smtClean="0"/>
+                            <a:t>85.61% </a:t>
+                          </a:r>
+                          <a14:m>
+                            <m:oMath xmlns:m="http://schemas.openxmlformats.org/officeDocument/2006/math">
+                              <m:r>
+                                <a:rPr lang="en-US" sz="2400" i="1" smtClean="0">
+                                  <a:latin typeface="Cambria Math" charset="0"/>
+                                  <a:ea typeface="Cambria Math" charset="0"/>
+                                  <a:cs typeface="Cambria Math" charset="0"/>
+                                </a:rPr>
+                                <m:t>±</m:t>
+                              </m:r>
+                            </m:oMath>
+                          </a14:m>
+                          <a:r>
+                            <a:rPr lang="en-US" sz="2400" dirty="0" smtClean="0"/>
+                            <a:t> 1.40%</a:t>
+                          </a:r>
+                          <a:endParaRPr lang="en-US" sz="2400" dirty="0"/>
+                        </a:p>
+                      </a:txBody>
+                      <a:tcPr/>
+                    </a:tc>
+                  </a:tr>
+                  <a:tr h="370840">
+                    <a:tc>
+                      <a:txBody>
+                        <a:bodyPr/>
+                        <a:lstStyle/>
+                        <a:p>
+                          <a:r>
+                            <a:rPr lang="en-US" sz="2400" dirty="0" smtClean="0"/>
+                            <a:t>Multinomial</a:t>
+                          </a:r>
+                          <a:r>
+                            <a:rPr lang="en-US" sz="2400" baseline="0" dirty="0" smtClean="0"/>
+                            <a:t> Naive Bayes</a:t>
+                          </a:r>
+                          <a:endParaRPr lang="en-US" sz="2400" dirty="0"/>
+                        </a:p>
+                      </a:txBody>
+                      <a:tcPr/>
+                    </a:tc>
+                    <a:tc>
+                      <a:txBody>
+                        <a:bodyPr/>
+                        <a:lstStyle/>
+                        <a:p>
+                          <a:pPr algn="ctr"/>
+                          <a:r>
+                            <a:rPr lang="en-US" sz="2400" dirty="0" smtClean="0"/>
+                            <a:t>75.59%</a:t>
+                          </a:r>
+                          <a:r>
+                            <a:rPr lang="en-US" sz="2400" baseline="0" dirty="0" smtClean="0"/>
+                            <a:t> </a:t>
+                          </a:r>
+                          <a14:m>
+                            <m:oMath xmlns:m="http://schemas.openxmlformats.org/officeDocument/2006/math">
+                              <m:r>
+                                <a:rPr lang="en-US" sz="2400" i="1" smtClean="0">
+                                  <a:latin typeface="Cambria Math" charset="0"/>
+                                  <a:ea typeface="Cambria Math" charset="0"/>
+                                  <a:cs typeface="Cambria Math" charset="0"/>
+                                </a:rPr>
+                                <m:t>±</m:t>
+                              </m:r>
+                            </m:oMath>
+                          </a14:m>
+                          <a:r>
+                            <a:rPr lang="en-US" sz="2400" dirty="0" smtClean="0"/>
+                            <a:t> 3.14%</a:t>
+                          </a:r>
+                          <a:endParaRPr lang="en-US" sz="2400" dirty="0"/>
+                        </a:p>
+                      </a:txBody>
+                      <a:tcPr/>
+                    </a:tc>
+                    <a:tc>
+                      <a:txBody>
+                        <a:bodyPr/>
+                        <a:lstStyle/>
+                        <a:p>
+                          <a:pPr algn="ctr"/>
+                          <a:r>
+                            <a:rPr lang="en-US" sz="2400" dirty="0" smtClean="0"/>
+                            <a:t>48.25%</a:t>
+                          </a:r>
+                          <a:r>
+                            <a:rPr lang="en-US" sz="2400" baseline="0" dirty="0" smtClean="0"/>
+                            <a:t> </a:t>
+                          </a:r>
+                          <a14:m>
+                            <m:oMath xmlns:m="http://schemas.openxmlformats.org/officeDocument/2006/math">
+                              <m:r>
+                                <a:rPr lang="en-US" sz="2400" i="1" smtClean="0">
+                                  <a:latin typeface="Cambria Math" charset="0"/>
+                                  <a:ea typeface="Cambria Math" charset="0"/>
+                                  <a:cs typeface="Cambria Math" charset="0"/>
+                                </a:rPr>
+                                <m:t>±</m:t>
+                              </m:r>
+                            </m:oMath>
+                          </a14:m>
+                          <a:r>
+                            <a:rPr lang="en-US" sz="2400" dirty="0" smtClean="0"/>
+                            <a:t> 3.02%</a:t>
+                          </a:r>
+                          <a:endParaRPr lang="en-US" sz="2400" dirty="0"/>
+                        </a:p>
+                      </a:txBody>
+                      <a:tcPr/>
+                    </a:tc>
+                    <a:tc>
+                      <a:txBody>
+                        <a:bodyPr/>
+                        <a:lstStyle/>
+                        <a:p>
+                          <a:pPr algn="ctr"/>
+                          <a:r>
+                            <a:rPr lang="en-US" sz="2400" dirty="0" smtClean="0"/>
+                            <a:t>61.46% </a:t>
+                          </a:r>
+                          <a14:m>
+                            <m:oMath xmlns:m="http://schemas.openxmlformats.org/officeDocument/2006/math">
+                              <m:r>
+                                <a:rPr lang="en-US" sz="2400" i="1" smtClean="0">
+                                  <a:latin typeface="Cambria Math" charset="0"/>
+                                  <a:ea typeface="Cambria Math" charset="0"/>
+                                  <a:cs typeface="Cambria Math" charset="0"/>
+                                </a:rPr>
+                                <m:t>±</m:t>
+                              </m:r>
+                            </m:oMath>
+                          </a14:m>
+                          <a:r>
+                            <a:rPr lang="en-US" sz="2400" dirty="0" smtClean="0"/>
+                            <a:t> 2.70%</a:t>
+                          </a:r>
+                          <a:endParaRPr lang="en-US" sz="2400" dirty="0"/>
+                        </a:p>
+                      </a:txBody>
+                      <a:tcPr/>
+                    </a:tc>
+                  </a:tr>
+                  <a:tr h="370840">
+                    <a:tc>
+                      <a:txBody>
+                        <a:bodyPr/>
+                        <a:lstStyle/>
+                        <a:p>
+                          <a:r>
+                            <a:rPr lang="en-US" sz="2400" dirty="0" smtClean="0"/>
+                            <a:t>Multi Layer Perceptron</a:t>
+                          </a:r>
+                          <a:endParaRPr lang="en-US" sz="2400" dirty="0"/>
+                        </a:p>
+                      </a:txBody>
+                      <a:tcPr/>
+                    </a:tc>
+                    <a:tc>
+                      <a:txBody>
+                        <a:bodyPr/>
+                        <a:lstStyle/>
+                        <a:p>
+                          <a:pPr algn="ctr"/>
+                          <a:r>
+                            <a:rPr lang="en-US" sz="2400" dirty="0" smtClean="0"/>
+                            <a:t>98.22% </a:t>
+                          </a:r>
+                          <a14:m>
+                            <m:oMath xmlns:m="http://schemas.openxmlformats.org/officeDocument/2006/math">
+                              <m:r>
+                                <a:rPr lang="en-US" sz="2400" i="1" smtClean="0">
+                                  <a:latin typeface="Cambria Math" charset="0"/>
+                                  <a:ea typeface="Cambria Math" charset="0"/>
+                                  <a:cs typeface="Cambria Math" charset="0"/>
+                                </a:rPr>
+                                <m:t>±</m:t>
+                              </m:r>
+                            </m:oMath>
+                          </a14:m>
+                          <a:r>
+                            <a:rPr lang="en-US" sz="2400" dirty="0" smtClean="0"/>
+                            <a:t> 0.42%</a:t>
+                          </a:r>
+                          <a:endParaRPr lang="en-US" sz="2400" dirty="0"/>
+                        </a:p>
+                      </a:txBody>
+                      <a:tcPr/>
+                    </a:tc>
+                    <a:tc>
+                      <a:txBody>
+                        <a:bodyPr/>
+                        <a:lstStyle/>
+                        <a:p>
+                          <a:pPr algn="ctr"/>
+                          <a:r>
+                            <a:rPr lang="en-US" sz="2400" i="0" dirty="0" smtClean="0">
+                              <a:latin typeface="+mn-lt"/>
+                              <a:ea typeface="Cambria Math" charset="0"/>
+                              <a:cs typeface="Cambria Math" charset="0"/>
+                            </a:rPr>
+                            <a:t>87.82% </a:t>
+                          </a:r>
+                          <a14:m>
+                            <m:oMath xmlns:m="http://schemas.openxmlformats.org/officeDocument/2006/math">
+                              <m:r>
+                                <a:rPr lang="en-US" sz="2400" i="1" smtClean="0">
+                                  <a:latin typeface="Cambria Math" charset="0"/>
+                                  <a:ea typeface="Cambria Math" charset="0"/>
+                                  <a:cs typeface="Cambria Math" charset="0"/>
+                                </a:rPr>
+                                <m:t>±</m:t>
+                              </m:r>
+                            </m:oMath>
+                          </a14:m>
+                          <a:r>
+                            <a:rPr lang="en-US" sz="2400" dirty="0" smtClean="0"/>
+                            <a:t> 0.92%</a:t>
+                          </a:r>
+                          <a:endParaRPr lang="en-US" sz="2400" dirty="0"/>
+                        </a:p>
+                      </a:txBody>
+                      <a:tcPr/>
+                    </a:tc>
+                    <a:tc>
+                      <a:txBody>
+                        <a:bodyPr/>
+                        <a:lstStyle/>
+                        <a:p>
+                          <a:pPr algn="ctr"/>
+                          <a:r>
+                            <a:rPr lang="en-US" sz="2400" dirty="0" smtClean="0">
+                              <a:ea typeface="Cambria Math" charset="0"/>
+                              <a:cs typeface="Cambria Math" charset="0"/>
+                            </a:rPr>
+                            <a:t>91.26% </a:t>
+                          </a:r>
+                          <a14:m>
+                            <m:oMath xmlns:m="http://schemas.openxmlformats.org/officeDocument/2006/math">
+                              <m:r>
+                                <a:rPr lang="en-US" sz="2400" i="1" smtClean="0">
+                                  <a:latin typeface="Cambria Math" charset="0"/>
+                                  <a:ea typeface="Cambria Math" charset="0"/>
+                                  <a:cs typeface="Cambria Math" charset="0"/>
+                                </a:rPr>
+                                <m:t>±</m:t>
+                              </m:r>
+                            </m:oMath>
+                          </a14:m>
+                          <a:r>
+                            <a:rPr lang="en-US" sz="2400" dirty="0" smtClean="0"/>
+                            <a:t> 1.20%</a:t>
+                          </a:r>
+                          <a:endParaRPr lang="en-US" sz="2400" dirty="0"/>
+                        </a:p>
+                      </a:txBody>
+                      <a:tcPr/>
+                    </a:tc>
+                  </a:tr>
+                </a:tbl>
+              </a:graphicData>
+            </a:graphic>
+          </p:graphicFrame>
+        </mc:Choice>
+        <mc:Fallback xmlns="">
+          <p:graphicFrame>
+            <p:nvGraphicFramePr>
+              <p:cNvPr id="6" name="Table 5"/>
+              <p:cNvGraphicFramePr>
+                <a:graphicFrameLocks noGrp="1"/>
+              </p:cNvGraphicFramePr>
+              <p:nvPr>
+                <p:extLst>
+                  <p:ext uri="{D42A27DB-BD31-4B8C-83A1-F6EECF244321}">
+                    <p14:modId xmlns:p14="http://schemas.microsoft.com/office/powerpoint/2010/main" val="267936633"/>
+                  </p:ext>
+                </p:extLst>
+              </p:nvPr>
+            </p:nvGraphicFramePr>
+            <p:xfrm>
+              <a:off x="1117599" y="2460784"/>
+              <a:ext cx="10603345" cy="3108960"/>
+            </p:xfrm>
+            <a:graphic>
+              <a:graphicData uri="http://schemas.openxmlformats.org/drawingml/2006/table">
+                <a:tbl>
+                  <a:tblPr firstRow="1" bandRow="1">
+                    <a:tableStyleId>{5C22544A-7EE6-4342-B048-85BDC9FD1C3A}</a:tableStyleId>
+                  </a:tblPr>
+                  <a:tblGrid>
+                    <a:gridCol w="3552391"/>
+                    <a:gridCol w="2369856"/>
+                    <a:gridCol w="2341131"/>
+                    <a:gridCol w="2339967"/>
+                  </a:tblGrid>
+                  <a:tr h="822960">
+                    <a:tc>
+                      <a:txBody>
+                        <a:bodyPr/>
+                        <a:lstStyle/>
+                        <a:p>
+                          <a:pPr algn="ctr"/>
+                          <a:r>
+                            <a:rPr lang="en-US" sz="2400" dirty="0" smtClean="0"/>
+                            <a:t>Models</a:t>
+                          </a:r>
+                          <a:endParaRPr lang="en-US" sz="2400" dirty="0"/>
+                        </a:p>
+                      </a:txBody>
+                      <a:tcPr/>
+                    </a:tc>
+                    <a:tc>
+                      <a:txBody>
+                        <a:bodyPr/>
+                        <a:lstStyle/>
+                        <a:p>
+                          <a:pPr algn="ctr"/>
+                          <a:r>
+                            <a:rPr lang="en-US" sz="2400" dirty="0" smtClean="0"/>
+                            <a:t>Accurac</a:t>
+                          </a:r>
+                          <a:r>
+                            <a:rPr lang="en-US" sz="2400" baseline="0" dirty="0" smtClean="0"/>
+                            <a:t>y Mean</a:t>
+                          </a:r>
+                        </a:p>
+                        <a:p>
+                          <a:pPr algn="ctr"/>
+                          <a:r>
+                            <a:rPr lang="en-US" sz="2400" baseline="0" dirty="0" smtClean="0"/>
+                            <a:t>(SP + SW)</a:t>
+                          </a:r>
+                          <a:endParaRPr lang="en-US" sz="2400" dirty="0"/>
+                        </a:p>
+                      </a:txBody>
+                      <a:tcPr/>
+                    </a:tc>
+                    <a:tc>
+                      <a:txBody>
+                        <a:bodyPr/>
+                        <a:lstStyle/>
+                        <a:p>
+                          <a:pPr algn="ctr"/>
+                          <a:r>
+                            <a:rPr lang="en-US" sz="2400" dirty="0" smtClean="0"/>
+                            <a:t>Accuracy Mean</a:t>
+                          </a:r>
+                        </a:p>
+                        <a:p>
+                          <a:pPr algn="ctr"/>
+                          <a:r>
+                            <a:rPr lang="en-US" sz="2400" dirty="0" smtClean="0"/>
+                            <a:t>(SP)</a:t>
+                          </a:r>
+                          <a:endParaRPr lang="en-US" sz="2400" dirty="0"/>
+                        </a:p>
+                      </a:txBody>
+                      <a:tcPr/>
+                    </a:tc>
+                    <a:tc>
+                      <a:txBody>
+                        <a:bodyPr/>
+                        <a:lstStyle/>
+                        <a:p>
+                          <a:pPr algn="ctr"/>
+                          <a:r>
+                            <a:rPr lang="en-US" sz="2400" dirty="0" smtClean="0"/>
+                            <a:t>Accuracy Mean</a:t>
+                          </a:r>
+                        </a:p>
+                        <a:p>
+                          <a:pPr algn="ctr"/>
+                          <a:r>
+                            <a:rPr lang="en-US" sz="2400" dirty="0" smtClean="0"/>
+                            <a:t>(SW)</a:t>
+                          </a:r>
+                          <a:endParaRPr lang="en-US" sz="2400" dirty="0"/>
+                        </a:p>
+                      </a:txBody>
+                      <a:tcPr/>
+                    </a:tc>
+                  </a:tr>
+                  <a:tr h="457200">
+                    <a:tc>
+                      <a:txBody>
+                        <a:bodyPr/>
+                        <a:lstStyle/>
+                        <a:p>
+                          <a:r>
+                            <a:rPr lang="en-US" sz="2400" dirty="0" smtClean="0"/>
+                            <a:t>Random Forest (n = </a:t>
+                          </a:r>
+                          <a:r>
+                            <a:rPr lang="en-US" sz="2400" dirty="0" smtClean="0"/>
+                            <a:t>300</a:t>
+                          </a:r>
+                          <a:r>
+                            <a:rPr lang="en-US" sz="2400" dirty="0" smtClean="0"/>
+                            <a:t>)</a:t>
+                          </a:r>
+                          <a:endParaRPr lang="en-US" sz="2400" dirty="0"/>
+                        </a:p>
+                      </a:txBody>
+                      <a:tcPr/>
+                    </a:tc>
+                    <a:tc>
+                      <a:txBody>
+                        <a:bodyPr/>
+                        <a:lstStyle/>
+                        <a:p>
+                          <a:endParaRPr lang="en-US"/>
+                        </a:p>
+                      </a:txBody>
+                      <a:tcPr>
+                        <a:blipFill rotWithShape="0">
+                          <a:blip r:embed="rId2"/>
+                          <a:stretch>
+                            <a:fillRect l="-150129" t="-189333" r="-198458" b="-432000"/>
+                          </a:stretch>
+                        </a:blipFill>
+                      </a:tcPr>
+                    </a:tc>
+                    <a:tc>
+                      <a:txBody>
+                        <a:bodyPr/>
+                        <a:lstStyle/>
+                        <a:p>
+                          <a:endParaRPr lang="en-US"/>
+                        </a:p>
+                      </a:txBody>
+                      <a:tcPr>
+                        <a:blipFill rotWithShape="0">
+                          <a:blip r:embed="rId2"/>
+                          <a:stretch>
+                            <a:fillRect l="-253385" t="-189333" r="-101042" b="-432000"/>
+                          </a:stretch>
+                        </a:blipFill>
+                      </a:tcPr>
+                    </a:tc>
+                    <a:tc>
+                      <a:txBody>
+                        <a:bodyPr/>
+                        <a:lstStyle/>
+                        <a:p>
+                          <a:endParaRPr lang="en-US"/>
+                        </a:p>
+                      </a:txBody>
+                      <a:tcPr>
+                        <a:blipFill rotWithShape="0">
+                          <a:blip r:embed="rId2"/>
+                          <a:stretch>
+                            <a:fillRect l="-353385" t="-189333" r="-1042" b="-432000"/>
+                          </a:stretch>
+                        </a:blipFill>
+                      </a:tcPr>
+                    </a:tc>
+                  </a:tr>
+                  <a:tr h="457200">
+                    <a:tc>
+                      <a:txBody>
+                        <a:bodyPr/>
+                        <a:lstStyle/>
+                        <a:p>
+                          <a:r>
+                            <a:rPr lang="en-US" sz="2400" dirty="0" smtClean="0"/>
+                            <a:t>SVM (C</a:t>
+                          </a:r>
+                          <a:r>
+                            <a:rPr lang="en-US" sz="2400" baseline="0" dirty="0" smtClean="0"/>
+                            <a:t> = </a:t>
+                          </a:r>
+                          <a:r>
+                            <a:rPr lang="en-US" sz="2400" baseline="0" dirty="0" smtClean="0"/>
+                            <a:t>550, 1200, 1150)</a:t>
+                          </a:r>
+                          <a:endParaRPr lang="en-US" sz="2400" dirty="0"/>
+                        </a:p>
+                      </a:txBody>
+                      <a:tcPr/>
+                    </a:tc>
+                    <a:tc>
+                      <a:txBody>
+                        <a:bodyPr/>
+                        <a:lstStyle/>
+                        <a:p>
+                          <a:endParaRPr lang="en-US"/>
+                        </a:p>
+                      </a:txBody>
+                      <a:tcPr>
+                        <a:blipFill rotWithShape="0">
+                          <a:blip r:embed="rId2"/>
+                          <a:stretch>
+                            <a:fillRect l="-150129" t="-285526" r="-198458" b="-326316"/>
+                          </a:stretch>
+                        </a:blipFill>
+                      </a:tcPr>
+                    </a:tc>
+                    <a:tc>
+                      <a:txBody>
+                        <a:bodyPr/>
+                        <a:lstStyle/>
+                        <a:p>
+                          <a:endParaRPr lang="en-US"/>
+                        </a:p>
+                      </a:txBody>
+                      <a:tcPr>
+                        <a:blipFill rotWithShape="0">
+                          <a:blip r:embed="rId2"/>
+                          <a:stretch>
+                            <a:fillRect l="-253385" t="-285526" r="-101042" b="-326316"/>
+                          </a:stretch>
+                        </a:blipFill>
+                      </a:tcPr>
+                    </a:tc>
+                    <a:tc>
+                      <a:txBody>
+                        <a:bodyPr/>
+                        <a:lstStyle/>
+                        <a:p>
+                          <a:endParaRPr lang="en-US"/>
+                        </a:p>
+                      </a:txBody>
+                      <a:tcPr>
+                        <a:blipFill rotWithShape="0">
+                          <a:blip r:embed="rId2"/>
+                          <a:stretch>
+                            <a:fillRect l="-353385" t="-285526" r="-1042" b="-326316"/>
+                          </a:stretch>
+                        </a:blipFill>
+                      </a:tcPr>
+                    </a:tc>
+                  </a:tr>
+                  <a:tr h="457200">
+                    <a:tc>
+                      <a:txBody>
+                        <a:bodyPr/>
+                        <a:lstStyle/>
+                        <a:p>
+                          <a:r>
+                            <a:rPr lang="en-US" sz="2400" dirty="0" smtClean="0"/>
+                            <a:t>Gaussian Naive</a:t>
+                          </a:r>
+                          <a:r>
+                            <a:rPr lang="en-US" sz="2400" baseline="0" dirty="0" smtClean="0"/>
+                            <a:t> Bayes</a:t>
+                          </a:r>
+                          <a:endParaRPr lang="en-US" sz="2400" dirty="0"/>
+                        </a:p>
+                      </a:txBody>
+                      <a:tcPr/>
+                    </a:tc>
+                    <a:tc>
+                      <a:txBody>
+                        <a:bodyPr/>
+                        <a:lstStyle/>
+                        <a:p>
+                          <a:endParaRPr lang="en-US"/>
+                        </a:p>
+                      </a:txBody>
+                      <a:tcPr>
+                        <a:blipFill rotWithShape="0">
+                          <a:blip r:embed="rId2"/>
+                          <a:stretch>
+                            <a:fillRect l="-150129" t="-390667" r="-198458" b="-230667"/>
+                          </a:stretch>
+                        </a:blipFill>
+                      </a:tcPr>
+                    </a:tc>
+                    <a:tc>
+                      <a:txBody>
+                        <a:bodyPr/>
+                        <a:lstStyle/>
+                        <a:p>
+                          <a:endParaRPr lang="en-US"/>
+                        </a:p>
+                      </a:txBody>
+                      <a:tcPr>
+                        <a:blipFill rotWithShape="0">
+                          <a:blip r:embed="rId2"/>
+                          <a:stretch>
+                            <a:fillRect l="-253385" t="-390667" r="-101042" b="-230667"/>
+                          </a:stretch>
+                        </a:blipFill>
+                      </a:tcPr>
+                    </a:tc>
+                    <a:tc>
+                      <a:txBody>
+                        <a:bodyPr/>
+                        <a:lstStyle/>
+                        <a:p>
+                          <a:endParaRPr lang="en-US"/>
+                        </a:p>
+                      </a:txBody>
+                      <a:tcPr>
+                        <a:blipFill rotWithShape="0">
+                          <a:blip r:embed="rId2"/>
+                          <a:stretch>
+                            <a:fillRect l="-353385" t="-390667" r="-1042" b="-230667"/>
+                          </a:stretch>
+                        </a:blipFill>
+                      </a:tcPr>
+                    </a:tc>
+                  </a:tr>
+                  <a:tr h="457200">
+                    <a:tc>
+                      <a:txBody>
+                        <a:bodyPr/>
+                        <a:lstStyle/>
+                        <a:p>
+                          <a:r>
+                            <a:rPr lang="en-US" sz="2400" dirty="0" smtClean="0"/>
+                            <a:t>Multinomial</a:t>
+                          </a:r>
+                          <a:r>
+                            <a:rPr lang="en-US" sz="2400" baseline="0" dirty="0" smtClean="0"/>
+                            <a:t> Naive Bayes</a:t>
+                          </a:r>
+                          <a:endParaRPr lang="en-US" sz="2400" dirty="0"/>
+                        </a:p>
+                      </a:txBody>
+                      <a:tcPr/>
+                    </a:tc>
+                    <a:tc>
+                      <a:txBody>
+                        <a:bodyPr/>
+                        <a:lstStyle/>
+                        <a:p>
+                          <a:endParaRPr lang="en-US"/>
+                        </a:p>
+                      </a:txBody>
+                      <a:tcPr>
+                        <a:blipFill rotWithShape="0">
+                          <a:blip r:embed="rId2"/>
+                          <a:stretch>
+                            <a:fillRect l="-150129" t="-490667" r="-198458" b="-130667"/>
+                          </a:stretch>
+                        </a:blipFill>
+                      </a:tcPr>
+                    </a:tc>
+                    <a:tc>
+                      <a:txBody>
+                        <a:bodyPr/>
+                        <a:lstStyle/>
+                        <a:p>
+                          <a:endParaRPr lang="en-US"/>
+                        </a:p>
+                      </a:txBody>
+                      <a:tcPr>
+                        <a:blipFill rotWithShape="0">
+                          <a:blip r:embed="rId2"/>
+                          <a:stretch>
+                            <a:fillRect l="-253385" t="-490667" r="-101042" b="-130667"/>
+                          </a:stretch>
+                        </a:blipFill>
+                      </a:tcPr>
+                    </a:tc>
+                    <a:tc>
+                      <a:txBody>
+                        <a:bodyPr/>
+                        <a:lstStyle/>
+                        <a:p>
+                          <a:endParaRPr lang="en-US"/>
+                        </a:p>
+                      </a:txBody>
+                      <a:tcPr>
+                        <a:blipFill rotWithShape="0">
+                          <a:blip r:embed="rId2"/>
+                          <a:stretch>
+                            <a:fillRect l="-353385" t="-490667" r="-1042" b="-130667"/>
+                          </a:stretch>
+                        </a:blipFill>
+                      </a:tcPr>
+                    </a:tc>
+                  </a:tr>
+                  <a:tr h="457200">
+                    <a:tc>
+                      <a:txBody>
+                        <a:bodyPr/>
+                        <a:lstStyle/>
+                        <a:p>
+                          <a:r>
+                            <a:rPr lang="en-US" sz="2400" dirty="0" smtClean="0"/>
+                            <a:t>Multi Layer Perceptron</a:t>
+                          </a:r>
+                          <a:endParaRPr lang="en-US" sz="2400" dirty="0"/>
+                        </a:p>
+                      </a:txBody>
+                      <a:tcPr/>
+                    </a:tc>
+                    <a:tc>
+                      <a:txBody>
+                        <a:bodyPr/>
+                        <a:lstStyle/>
+                        <a:p>
+                          <a:endParaRPr lang="en-US"/>
+                        </a:p>
+                      </a:txBody>
+                      <a:tcPr>
+                        <a:blipFill rotWithShape="0">
+                          <a:blip r:embed="rId2"/>
+                          <a:stretch>
+                            <a:fillRect l="-150129" t="-590667" r="-198458" b="-30667"/>
+                          </a:stretch>
+                        </a:blipFill>
+                      </a:tcPr>
+                    </a:tc>
+                    <a:tc>
+                      <a:txBody>
+                        <a:bodyPr/>
+                        <a:lstStyle/>
+                        <a:p>
+                          <a:endParaRPr lang="en-US"/>
+                        </a:p>
+                      </a:txBody>
+                      <a:tcPr>
+                        <a:blipFill rotWithShape="0">
+                          <a:blip r:embed="rId2"/>
+                          <a:stretch>
+                            <a:fillRect l="-253385" t="-590667" r="-101042" b="-30667"/>
+                          </a:stretch>
+                        </a:blipFill>
+                      </a:tcPr>
+                    </a:tc>
+                    <a:tc>
+                      <a:txBody>
+                        <a:bodyPr/>
+                        <a:lstStyle/>
+                        <a:p>
+                          <a:endParaRPr lang="en-US"/>
+                        </a:p>
+                      </a:txBody>
+                      <a:tcPr>
+                        <a:blipFill rotWithShape="0">
+                          <a:blip r:embed="rId2"/>
+                          <a:stretch>
+                            <a:fillRect l="-353385" t="-590667" r="-1042" b="-30667"/>
+                          </a:stretch>
+                        </a:blipFill>
+                      </a:tcPr>
+                    </a:tc>
+                  </a:tr>
+                </a:tbl>
+              </a:graphicData>
+            </a:graphic>
+          </p:graphicFrame>
+        </mc:Fallback>
+      </mc:AlternateContent>
+    </p:spTree>
+    <p:extLst>
+      <p:ext uri="{BB962C8B-B14F-4D97-AF65-F5344CB8AC3E}">
+        <p14:creationId xmlns:p14="http://schemas.microsoft.com/office/powerpoint/2010/main" val="677773202"/>
+      </p:ext>
+    </p:extLst>
+  </p:cSld>
+  <p:clrMapOvr>
+    <a:masterClrMapping/>
+  </p:clrMapOvr>
+  <p:timing>
+    <p:tnLst>
+      <p:par>
+        <p:cTn id="1" dur="indefinite" restart="never" nodeType="tmRoot"/>
+      </p:par>
+    </p:tnLst>
+  </p:timing>
+</p:sld>
+</file>
+
+<file path=ppt/slides/slide9.xml><?xml version="1.0" encoding="utf-8"?>
+<p:sld xmlns:a="http://schemas.openxmlformats.org/drawingml/2006/main" xmlns:r="http://schemas.openxmlformats.org/officeDocument/2006/relationships" xmlns:p="http://schemas.openxmlformats.org/presentationml/2006/main">
+  <p:cSld>
+    <p:spTree>
+      <p:nvGrpSpPr>
+        <p:cNvPr id="1" name=""/>
+        <p:cNvGrpSpPr/>
+        <p:nvPr/>
+      </p:nvGrpSpPr>
+      <p:grpSpPr>
+        <a:xfrm>
+          <a:off x="0" y="0"/>
+          <a:ext cx="0" cy="0"/>
+          <a:chOff x="0" y="0"/>
+          <a:chExt cx="0" cy="0"/>
+        </a:xfrm>
+      </p:grpSpPr>
+      <p:sp>
+        <p:nvSpPr>
           <p:cNvPr id="4" name="Title 3"/>
           <p:cNvSpPr>
             <a:spLocks noGrp="1"/>
@@ -5473,17 +6215,8 @@
           <a:p>
             <a:r>
               <a:rPr lang="en-US" dirty="0" smtClean="0"/>
-              <a:t>Gather 2-3 more </a:t>
-            </a:r>
-            <a:r>
-              <a:rPr lang="en-US" dirty="0" smtClean="0"/>
-              <a:t>friends’ </a:t>
-            </a:r>
-            <a:r>
-              <a:rPr lang="en-US" dirty="0" smtClean="0"/>
-              <a:t>data</a:t>
-            </a:r>
-            <a:endParaRPr lang="en-US" dirty="0" smtClean="0"/>
+              <a:t>Gather 2-3 more friends’ data</a:t>
+            </a:r>
           </a:p>
           <a:p>
             <a:r>
@@ -5503,7 +6236,6 @@
               <a:rPr lang="en-US" dirty="0" smtClean="0"/>
               <a:t>Interim report</a:t>
             </a:r>
-            <a:endParaRPr lang="en-US" dirty="0" smtClean="0"/>
           </a:p>
         </p:txBody>
       </p:sp>
